--- a/sociadee.pptx
+++ b/sociadee.pptx
@@ -242,6 +242,7 @@
           <a:p>
             <a:fld id="{B2E76E71-8E34-4F6C-A5E5-83D4C4DF929B}" type="datetimeFigureOut">
               <a:rPr lang="fr-FR" smtClean="0"/>
+              <a:pPr/>
               <a:t>23/01/2016</a:t>
             </a:fld>
             <a:endParaRPr lang="fr-FR"/>
@@ -284,7 +285,8 @@
           <a:p>
             <a:fld id="{A14ADEE4-82C6-4B92-955F-2AB0B57ECAFC}" type="slidenum">
               <a:rPr lang="fr-FR" smtClean="0"/>
-              <a:t>‹N°›</a:t>
+              <a:pPr/>
+              <a:t>‹#›</a:t>
             </a:fld>
             <a:endParaRPr lang="fr-FR"/>
           </a:p>
@@ -293,7 +295,7 @@
     </p:spTree>
     <p:extLst>
       <p:ext uri="{BB962C8B-B14F-4D97-AF65-F5344CB8AC3E}">
-        <p14:creationId xmlns:p14="http://schemas.microsoft.com/office/powerpoint/2010/main" val="2684970104"/>
+        <p14:creationId xmlns:p14="http://schemas.microsoft.com/office/powerpoint/2010/main" xmlns="" val="2684970104"/>
       </p:ext>
     </p:extLst>
   </p:cSld>
@@ -412,6 +414,7 @@
           <a:p>
             <a:fld id="{B2E76E71-8E34-4F6C-A5E5-83D4C4DF929B}" type="datetimeFigureOut">
               <a:rPr lang="fr-FR" smtClean="0"/>
+              <a:pPr/>
               <a:t>23/01/2016</a:t>
             </a:fld>
             <a:endParaRPr lang="fr-FR"/>
@@ -454,7 +457,8 @@
           <a:p>
             <a:fld id="{A14ADEE4-82C6-4B92-955F-2AB0B57ECAFC}" type="slidenum">
               <a:rPr lang="fr-FR" smtClean="0"/>
-              <a:t>‹N°›</a:t>
+              <a:pPr/>
+              <a:t>‹#›</a:t>
             </a:fld>
             <a:endParaRPr lang="fr-FR"/>
           </a:p>
@@ -463,7 +467,7 @@
     </p:spTree>
     <p:extLst>
       <p:ext uri="{BB962C8B-B14F-4D97-AF65-F5344CB8AC3E}">
-        <p14:creationId xmlns:p14="http://schemas.microsoft.com/office/powerpoint/2010/main" val="2227372819"/>
+        <p14:creationId xmlns:p14="http://schemas.microsoft.com/office/powerpoint/2010/main" xmlns="" val="2227372819"/>
       </p:ext>
     </p:extLst>
   </p:cSld>
@@ -592,6 +596,7 @@
           <a:p>
             <a:fld id="{B2E76E71-8E34-4F6C-A5E5-83D4C4DF929B}" type="datetimeFigureOut">
               <a:rPr lang="fr-FR" smtClean="0"/>
+              <a:pPr/>
               <a:t>23/01/2016</a:t>
             </a:fld>
             <a:endParaRPr lang="fr-FR"/>
@@ -634,7 +639,8 @@
           <a:p>
             <a:fld id="{A14ADEE4-82C6-4B92-955F-2AB0B57ECAFC}" type="slidenum">
               <a:rPr lang="fr-FR" smtClean="0"/>
-              <a:t>‹N°›</a:t>
+              <a:pPr/>
+              <a:t>‹#›</a:t>
             </a:fld>
             <a:endParaRPr lang="fr-FR"/>
           </a:p>
@@ -643,7 +649,7 @@
     </p:spTree>
     <p:extLst>
       <p:ext uri="{BB962C8B-B14F-4D97-AF65-F5344CB8AC3E}">
-        <p14:creationId xmlns:p14="http://schemas.microsoft.com/office/powerpoint/2010/main" val="1415407680"/>
+        <p14:creationId xmlns:p14="http://schemas.microsoft.com/office/powerpoint/2010/main" xmlns="" val="1415407680"/>
       </p:ext>
     </p:extLst>
   </p:cSld>
@@ -762,6 +768,7 @@
           <a:p>
             <a:fld id="{B2E76E71-8E34-4F6C-A5E5-83D4C4DF929B}" type="datetimeFigureOut">
               <a:rPr lang="fr-FR" smtClean="0"/>
+              <a:pPr/>
               <a:t>23/01/2016</a:t>
             </a:fld>
             <a:endParaRPr lang="fr-FR"/>
@@ -804,7 +811,8 @@
           <a:p>
             <a:fld id="{A14ADEE4-82C6-4B92-955F-2AB0B57ECAFC}" type="slidenum">
               <a:rPr lang="fr-FR" smtClean="0"/>
-              <a:t>‹N°›</a:t>
+              <a:pPr/>
+              <a:t>‹#›</a:t>
             </a:fld>
             <a:endParaRPr lang="fr-FR"/>
           </a:p>
@@ -813,7 +821,7 @@
     </p:spTree>
     <p:extLst>
       <p:ext uri="{BB962C8B-B14F-4D97-AF65-F5344CB8AC3E}">
-        <p14:creationId xmlns:p14="http://schemas.microsoft.com/office/powerpoint/2010/main" val="109533796"/>
+        <p14:creationId xmlns:p14="http://schemas.microsoft.com/office/powerpoint/2010/main" xmlns="" val="109533796"/>
       </p:ext>
     </p:extLst>
   </p:cSld>
@@ -1008,6 +1016,7 @@
           <a:p>
             <a:fld id="{B2E76E71-8E34-4F6C-A5E5-83D4C4DF929B}" type="datetimeFigureOut">
               <a:rPr lang="fr-FR" smtClean="0"/>
+              <a:pPr/>
               <a:t>23/01/2016</a:t>
             </a:fld>
             <a:endParaRPr lang="fr-FR"/>
@@ -1050,7 +1059,8 @@
           <a:p>
             <a:fld id="{A14ADEE4-82C6-4B92-955F-2AB0B57ECAFC}" type="slidenum">
               <a:rPr lang="fr-FR" smtClean="0"/>
-              <a:t>‹N°›</a:t>
+              <a:pPr/>
+              <a:t>‹#›</a:t>
             </a:fld>
             <a:endParaRPr lang="fr-FR"/>
           </a:p>
@@ -1059,7 +1069,7 @@
     </p:spTree>
     <p:extLst>
       <p:ext uri="{BB962C8B-B14F-4D97-AF65-F5344CB8AC3E}">
-        <p14:creationId xmlns:p14="http://schemas.microsoft.com/office/powerpoint/2010/main" val="1633108349"/>
+        <p14:creationId xmlns:p14="http://schemas.microsoft.com/office/powerpoint/2010/main" xmlns="" val="1633108349"/>
       </p:ext>
     </p:extLst>
   </p:cSld>
@@ -1240,6 +1250,7 @@
           <a:p>
             <a:fld id="{B2E76E71-8E34-4F6C-A5E5-83D4C4DF929B}" type="datetimeFigureOut">
               <a:rPr lang="fr-FR" smtClean="0"/>
+              <a:pPr/>
               <a:t>23/01/2016</a:t>
             </a:fld>
             <a:endParaRPr lang="fr-FR"/>
@@ -1282,7 +1293,8 @@
           <a:p>
             <a:fld id="{A14ADEE4-82C6-4B92-955F-2AB0B57ECAFC}" type="slidenum">
               <a:rPr lang="fr-FR" smtClean="0"/>
-              <a:t>‹N°›</a:t>
+              <a:pPr/>
+              <a:t>‹#›</a:t>
             </a:fld>
             <a:endParaRPr lang="fr-FR"/>
           </a:p>
@@ -1291,7 +1303,7 @@
     </p:spTree>
     <p:extLst>
       <p:ext uri="{BB962C8B-B14F-4D97-AF65-F5344CB8AC3E}">
-        <p14:creationId xmlns:p14="http://schemas.microsoft.com/office/powerpoint/2010/main" val="902589620"/>
+        <p14:creationId xmlns:p14="http://schemas.microsoft.com/office/powerpoint/2010/main" xmlns="" val="902589620"/>
       </p:ext>
     </p:extLst>
   </p:cSld>
@@ -1607,6 +1619,7 @@
           <a:p>
             <a:fld id="{B2E76E71-8E34-4F6C-A5E5-83D4C4DF929B}" type="datetimeFigureOut">
               <a:rPr lang="fr-FR" smtClean="0"/>
+              <a:pPr/>
               <a:t>23/01/2016</a:t>
             </a:fld>
             <a:endParaRPr lang="fr-FR"/>
@@ -1649,7 +1662,8 @@
           <a:p>
             <a:fld id="{A14ADEE4-82C6-4B92-955F-2AB0B57ECAFC}" type="slidenum">
               <a:rPr lang="fr-FR" smtClean="0"/>
-              <a:t>‹N°›</a:t>
+              <a:pPr/>
+              <a:t>‹#›</a:t>
             </a:fld>
             <a:endParaRPr lang="fr-FR"/>
           </a:p>
@@ -1658,7 +1672,7 @@
     </p:spTree>
     <p:extLst>
       <p:ext uri="{BB962C8B-B14F-4D97-AF65-F5344CB8AC3E}">
-        <p14:creationId xmlns:p14="http://schemas.microsoft.com/office/powerpoint/2010/main" val="967841413"/>
+        <p14:creationId xmlns:p14="http://schemas.microsoft.com/office/powerpoint/2010/main" xmlns="" val="967841413"/>
       </p:ext>
     </p:extLst>
   </p:cSld>
@@ -1725,6 +1739,7 @@
           <a:p>
             <a:fld id="{B2E76E71-8E34-4F6C-A5E5-83D4C4DF929B}" type="datetimeFigureOut">
               <a:rPr lang="fr-FR" smtClean="0"/>
+              <a:pPr/>
               <a:t>23/01/2016</a:t>
             </a:fld>
             <a:endParaRPr lang="fr-FR"/>
@@ -1767,7 +1782,8 @@
           <a:p>
             <a:fld id="{A14ADEE4-82C6-4B92-955F-2AB0B57ECAFC}" type="slidenum">
               <a:rPr lang="fr-FR" smtClean="0"/>
-              <a:t>‹N°›</a:t>
+              <a:pPr/>
+              <a:t>‹#›</a:t>
             </a:fld>
             <a:endParaRPr lang="fr-FR"/>
           </a:p>
@@ -1776,7 +1792,7 @@
     </p:spTree>
     <p:extLst>
       <p:ext uri="{BB962C8B-B14F-4D97-AF65-F5344CB8AC3E}">
-        <p14:creationId xmlns:p14="http://schemas.microsoft.com/office/powerpoint/2010/main" val="2828384650"/>
+        <p14:creationId xmlns:p14="http://schemas.microsoft.com/office/powerpoint/2010/main" xmlns="" val="2828384650"/>
       </p:ext>
     </p:extLst>
   </p:cSld>
@@ -1820,6 +1836,7 @@
           <a:p>
             <a:fld id="{B2E76E71-8E34-4F6C-A5E5-83D4C4DF929B}" type="datetimeFigureOut">
               <a:rPr lang="fr-FR" smtClean="0"/>
+              <a:pPr/>
               <a:t>23/01/2016</a:t>
             </a:fld>
             <a:endParaRPr lang="fr-FR"/>
@@ -1862,7 +1879,8 @@
           <a:p>
             <a:fld id="{A14ADEE4-82C6-4B92-955F-2AB0B57ECAFC}" type="slidenum">
               <a:rPr lang="fr-FR" smtClean="0"/>
-              <a:t>‹N°›</a:t>
+              <a:pPr/>
+              <a:t>‹#›</a:t>
             </a:fld>
             <a:endParaRPr lang="fr-FR"/>
           </a:p>
@@ -1871,7 +1889,7 @@
     </p:spTree>
     <p:extLst>
       <p:ext uri="{BB962C8B-B14F-4D97-AF65-F5344CB8AC3E}">
-        <p14:creationId xmlns:p14="http://schemas.microsoft.com/office/powerpoint/2010/main" val="59376528"/>
+        <p14:creationId xmlns:p14="http://schemas.microsoft.com/office/powerpoint/2010/main" xmlns="" val="59376528"/>
       </p:ext>
     </p:extLst>
   </p:cSld>
@@ -2097,6 +2115,7 @@
           <a:p>
             <a:fld id="{B2E76E71-8E34-4F6C-A5E5-83D4C4DF929B}" type="datetimeFigureOut">
               <a:rPr lang="fr-FR" smtClean="0"/>
+              <a:pPr/>
               <a:t>23/01/2016</a:t>
             </a:fld>
             <a:endParaRPr lang="fr-FR"/>
@@ -2139,7 +2158,8 @@
           <a:p>
             <a:fld id="{A14ADEE4-82C6-4B92-955F-2AB0B57ECAFC}" type="slidenum">
               <a:rPr lang="fr-FR" smtClean="0"/>
-              <a:t>‹N°›</a:t>
+              <a:pPr/>
+              <a:t>‹#›</a:t>
             </a:fld>
             <a:endParaRPr lang="fr-FR"/>
           </a:p>
@@ -2148,7 +2168,7 @@
     </p:spTree>
     <p:extLst>
       <p:ext uri="{BB962C8B-B14F-4D97-AF65-F5344CB8AC3E}">
-        <p14:creationId xmlns:p14="http://schemas.microsoft.com/office/powerpoint/2010/main" val="310087305"/>
+        <p14:creationId xmlns:p14="http://schemas.microsoft.com/office/powerpoint/2010/main" xmlns="" val="310087305"/>
       </p:ext>
     </p:extLst>
   </p:cSld>
@@ -2350,6 +2370,7 @@
           <a:p>
             <a:fld id="{B2E76E71-8E34-4F6C-A5E5-83D4C4DF929B}" type="datetimeFigureOut">
               <a:rPr lang="fr-FR" smtClean="0"/>
+              <a:pPr/>
               <a:t>23/01/2016</a:t>
             </a:fld>
             <a:endParaRPr lang="fr-FR"/>
@@ -2392,7 +2413,8 @@
           <a:p>
             <a:fld id="{A14ADEE4-82C6-4B92-955F-2AB0B57ECAFC}" type="slidenum">
               <a:rPr lang="fr-FR" smtClean="0"/>
-              <a:t>‹N°›</a:t>
+              <a:pPr/>
+              <a:t>‹#›</a:t>
             </a:fld>
             <a:endParaRPr lang="fr-FR"/>
           </a:p>
@@ -2401,7 +2423,7 @@
     </p:spTree>
     <p:extLst>
       <p:ext uri="{BB962C8B-B14F-4D97-AF65-F5344CB8AC3E}">
-        <p14:creationId xmlns:p14="http://schemas.microsoft.com/office/powerpoint/2010/main" val="600042663"/>
+        <p14:creationId xmlns:p14="http://schemas.microsoft.com/office/powerpoint/2010/main" xmlns="" val="600042663"/>
       </p:ext>
     </p:extLst>
   </p:cSld>
@@ -2563,6 +2585,7 @@
           <a:p>
             <a:fld id="{B2E76E71-8E34-4F6C-A5E5-83D4C4DF929B}" type="datetimeFigureOut">
               <a:rPr lang="fr-FR" smtClean="0"/>
+              <a:pPr/>
               <a:t>23/01/2016</a:t>
             </a:fld>
             <a:endParaRPr lang="fr-FR"/>
@@ -2641,7 +2664,8 @@
           <a:p>
             <a:fld id="{A14ADEE4-82C6-4B92-955F-2AB0B57ECAFC}" type="slidenum">
               <a:rPr lang="fr-FR" smtClean="0"/>
-              <a:t>‹N°›</a:t>
+              <a:pPr/>
+              <a:t>‹#›</a:t>
             </a:fld>
             <a:endParaRPr lang="fr-FR"/>
           </a:p>
@@ -2650,7 +2674,7 @@
     </p:spTree>
     <p:extLst>
       <p:ext uri="{BB962C8B-B14F-4D97-AF65-F5344CB8AC3E}">
-        <p14:creationId xmlns:p14="http://schemas.microsoft.com/office/powerpoint/2010/main" val="559477779"/>
+        <p14:creationId xmlns:p14="http://schemas.microsoft.com/office/powerpoint/2010/main" xmlns="" val="559477779"/>
       </p:ext>
     </p:extLst>
   </p:cSld>
@@ -2957,7 +2981,7 @@
     <p:bg>
       <p:bgPr>
         <a:blipFill dpi="0" rotWithShape="1">
-          <a:blip r:embed="rId2">
+          <a:blip r:embed="rId2" cstate="print">
             <a:lum/>
           </a:blip>
           <a:srcRect/>
@@ -3011,6 +3035,13 @@
               </a:rPr>
               <a:t>Youssef Azzaoui and </a:t>
             </a:r>
+            <a:r>
+              <a:rPr lang="fr-FR" sz="4400" dirty="0" smtClean="0">
+                <a:latin typeface="Adobe Ming Std L" panose="02020300000000000000" pitchFamily="18" charset="-128"/>
+                <a:ea typeface="Adobe Ming Std L" panose="02020300000000000000" pitchFamily="18" charset="-128"/>
+              </a:rPr>
+              <a:t>Hee Namkung</a:t>
+            </a:r>
             <a:endParaRPr lang="fr-FR" sz="4400" dirty="0">
               <a:latin typeface="Adobe Ming Std L" panose="02020300000000000000" pitchFamily="18" charset="-128"/>
               <a:ea typeface="Adobe Ming Std L" panose="02020300000000000000" pitchFamily="18" charset="-128"/>
@@ -3027,10 +3058,10 @@
           <p:nvPr/>
         </p:nvPicPr>
         <p:blipFill>
-          <a:blip r:embed="rId3">
+          <a:blip r:embed="rId3" cstate="print">
             <a:extLst>
               <a:ext uri="{28A0092B-C50C-407E-A947-70E740481C1C}">
-                <a14:useLocalDpi xmlns:a14="http://schemas.microsoft.com/office/drawing/2010/main" val="0"/>
+                <a14:useLocalDpi xmlns:a14="http://schemas.microsoft.com/office/drawing/2010/main" xmlns="" val="0"/>
               </a:ext>
             </a:extLst>
           </a:blip>
@@ -3060,7 +3091,7 @@
           <a:blip r:embed="rId4" cstate="print">
             <a:extLst>
               <a:ext uri="{28A0092B-C50C-407E-A947-70E740481C1C}">
-                <a14:useLocalDpi xmlns:a14="http://schemas.microsoft.com/office/drawing/2010/main" val="0"/>
+                <a14:useLocalDpi xmlns:a14="http://schemas.microsoft.com/office/drawing/2010/main" xmlns="" val="0"/>
               </a:ext>
             </a:extLst>
           </a:blip>
@@ -3088,7 +3119,7 @@
     </p:spTree>
     <p:extLst>
       <p:ext uri="{BB962C8B-B14F-4D97-AF65-F5344CB8AC3E}">
-        <p14:creationId xmlns:p14="http://schemas.microsoft.com/office/powerpoint/2010/main" val="3297827901"/>
+        <p14:creationId xmlns:p14="http://schemas.microsoft.com/office/powerpoint/2010/main" xmlns="" val="3297827901"/>
       </p:ext>
     </p:extLst>
   </p:cSld>
@@ -3096,7 +3127,7 @@
     <a:masterClrMapping/>
   </p:clrMapOvr>
   <mc:AlternateContent xmlns:mc="http://schemas.openxmlformats.org/markup-compatibility/2006">
-    <mc:Choice xmlns:p14="http://schemas.microsoft.com/office/powerpoint/2010/main" Requires="p14">
+    <mc:Choice xmlns:p14="http://schemas.microsoft.com/office/powerpoint/2010/main" xmlns="" Requires="p14">
       <p:transition spd="med" p14:dur="700">
         <p:fade/>
       </p:transition>
@@ -3123,7 +3154,7 @@
     <p:bg>
       <p:bgPr>
         <a:blipFill dpi="0" rotWithShape="1">
-          <a:blip r:embed="rId2">
+          <a:blip r:embed="rId2" cstate="print">
             <a:alphaModFix amt="9000"/>
             <a:lum/>
           </a:blip>
@@ -3547,10 +3578,10 @@
           <p:nvPr/>
         </p:nvPicPr>
         <p:blipFill>
-          <a:blip r:embed="rId3">
+          <a:blip r:embed="rId3" cstate="print">
             <a:extLst>
               <a:ext uri="{28A0092B-C50C-407E-A947-70E740481C1C}">
-                <a14:useLocalDpi xmlns:a14="http://schemas.microsoft.com/office/drawing/2010/main" val="0"/>
+                <a14:useLocalDpi xmlns:a14="http://schemas.microsoft.com/office/drawing/2010/main" xmlns="" val="0"/>
               </a:ext>
             </a:extLst>
           </a:blip>
@@ -3571,7 +3602,7 @@
     </p:spTree>
     <p:extLst>
       <p:ext uri="{BB962C8B-B14F-4D97-AF65-F5344CB8AC3E}">
-        <p14:creationId xmlns:p14="http://schemas.microsoft.com/office/powerpoint/2010/main" val="1662806148"/>
+        <p14:creationId xmlns:p14="http://schemas.microsoft.com/office/powerpoint/2010/main" xmlns="" val="1662806148"/>
       </p:ext>
     </p:extLst>
   </p:cSld>
@@ -3579,7 +3610,7 @@
     <a:masterClrMapping/>
   </p:clrMapOvr>
   <mc:AlternateContent xmlns:mc="http://schemas.openxmlformats.org/markup-compatibility/2006">
-    <mc:Choice xmlns:p14="http://schemas.microsoft.com/office/powerpoint/2010/main" Requires="p14">
+    <mc:Choice xmlns:p14="http://schemas.microsoft.com/office/powerpoint/2010/main" xmlns="" Requires="p14">
       <p:transition spd="med" p14:dur="700">
         <p:fade/>
       </p:transition>
@@ -3690,10 +3721,10 @@
           <p:nvPr/>
         </p:nvPicPr>
         <p:blipFill>
-          <a:blip r:embed="rId2">
+          <a:blip r:embed="rId2" cstate="print">
             <a:extLst>
               <a:ext uri="{28A0092B-C50C-407E-A947-70E740481C1C}">
-                <a14:useLocalDpi xmlns:a14="http://schemas.microsoft.com/office/drawing/2010/main" val="0"/>
+                <a14:useLocalDpi xmlns:a14="http://schemas.microsoft.com/office/drawing/2010/main" xmlns="" val="0"/>
               </a:ext>
             </a:extLst>
           </a:blip>
@@ -3720,10 +3751,10 @@
           <p:nvPr/>
         </p:nvPicPr>
         <p:blipFill>
-          <a:blip r:embed="rId3">
+          <a:blip r:embed="rId3" cstate="print">
             <a:extLst>
               <a:ext uri="{28A0092B-C50C-407E-A947-70E740481C1C}">
-                <a14:useLocalDpi xmlns:a14="http://schemas.microsoft.com/office/drawing/2010/main" val="0"/>
+                <a14:useLocalDpi xmlns:a14="http://schemas.microsoft.com/office/drawing/2010/main" xmlns="" val="0"/>
               </a:ext>
             </a:extLst>
           </a:blip>
@@ -3753,7 +3784,7 @@
           <a:blip r:embed="rId4" cstate="print">
             <a:extLst>
               <a:ext uri="{28A0092B-C50C-407E-A947-70E740481C1C}">
-                <a14:useLocalDpi xmlns:a14="http://schemas.microsoft.com/office/drawing/2010/main" val="0"/>
+                <a14:useLocalDpi xmlns:a14="http://schemas.microsoft.com/office/drawing/2010/main" xmlns="" val="0"/>
               </a:ext>
             </a:extLst>
           </a:blip>
@@ -3783,7 +3814,7 @@
           <a:blip r:embed="rId5" cstate="print">
             <a:extLst>
               <a:ext uri="{28A0092B-C50C-407E-A947-70E740481C1C}">
-                <a14:useLocalDpi xmlns:a14="http://schemas.microsoft.com/office/drawing/2010/main" val="0"/>
+                <a14:useLocalDpi xmlns:a14="http://schemas.microsoft.com/office/drawing/2010/main" xmlns="" val="0"/>
               </a:ext>
             </a:extLst>
           </a:blip>
@@ -3804,7 +3835,7 @@
     </p:spTree>
     <p:extLst>
       <p:ext uri="{BB962C8B-B14F-4D97-AF65-F5344CB8AC3E}">
-        <p14:creationId xmlns:p14="http://schemas.microsoft.com/office/powerpoint/2010/main" val="963687284"/>
+        <p14:creationId xmlns:p14="http://schemas.microsoft.com/office/powerpoint/2010/main" xmlns="" val="963687284"/>
       </p:ext>
     </p:extLst>
   </p:cSld>
@@ -3812,7 +3843,7 @@
     <a:masterClrMapping/>
   </p:clrMapOvr>
   <mc:AlternateContent xmlns:mc="http://schemas.openxmlformats.org/markup-compatibility/2006">
-    <mc:Choice xmlns:p14="http://schemas.microsoft.com/office/powerpoint/2010/main" Requires="p14">
+    <mc:Choice xmlns:p14="http://schemas.microsoft.com/office/powerpoint/2010/main" xmlns="" Requires="p14">
       <p:transition spd="med" p14:dur="700">
         <p:fade/>
       </p:transition>
@@ -3900,10 +3931,10 @@
           <p:nvPr/>
         </p:nvPicPr>
         <p:blipFill>
-          <a:blip r:embed="rId2">
+          <a:blip r:embed="rId2" cstate="print">
             <a:extLst>
               <a:ext uri="{28A0092B-C50C-407E-A947-70E740481C1C}">
-                <a14:useLocalDpi xmlns:a14="http://schemas.microsoft.com/office/drawing/2010/main" val="0"/>
+                <a14:useLocalDpi xmlns:a14="http://schemas.microsoft.com/office/drawing/2010/main" xmlns="" val="0"/>
               </a:ext>
             </a:extLst>
           </a:blip>
@@ -4319,7 +4350,7 @@
     </p:spTree>
     <p:extLst>
       <p:ext uri="{BB962C8B-B14F-4D97-AF65-F5344CB8AC3E}">
-        <p14:creationId xmlns:p14="http://schemas.microsoft.com/office/powerpoint/2010/main" val="1694091876"/>
+        <p14:creationId xmlns:p14="http://schemas.microsoft.com/office/powerpoint/2010/main" xmlns="" val="1694091876"/>
       </p:ext>
     </p:extLst>
   </p:cSld>
@@ -4327,7 +4358,7 @@
     <a:masterClrMapping/>
   </p:clrMapOvr>
   <mc:AlternateContent xmlns:mc="http://schemas.openxmlformats.org/markup-compatibility/2006">
-    <mc:Choice xmlns:p14="http://schemas.microsoft.com/office/powerpoint/2010/main" Requires="p14">
+    <mc:Choice xmlns:p14="http://schemas.microsoft.com/office/powerpoint/2010/main" xmlns="" Requires="p14">
       <p:transition spd="med" p14:dur="700">
         <p:fade/>
       </p:transition>
@@ -4406,7 +4437,7 @@
     </p:spTree>
     <p:extLst>
       <p:ext uri="{BB962C8B-B14F-4D97-AF65-F5344CB8AC3E}">
-        <p14:creationId xmlns:p14="http://schemas.microsoft.com/office/powerpoint/2010/main" val="2114442728"/>
+        <p14:creationId xmlns:p14="http://schemas.microsoft.com/office/powerpoint/2010/main" xmlns="" val="2114442728"/>
       </p:ext>
     </p:extLst>
   </p:cSld>
@@ -4469,7 +4500,7 @@
     </a:clrScheme>
     <a:fontScheme name="Office">
       <a:majorFont>
-        <a:latin typeface="Calibri Light" panose="020F0302020204030204"/>
+        <a:latin typeface="Calibri Light"/>
         <a:ea typeface=""/>
         <a:cs typeface=""/>
         <a:font script="Jpan" typeface="ＭＳ Ｐゴシック"/>
@@ -4504,7 +4535,7 @@
         <a:font script="Geor" typeface="Sylfaen"/>
       </a:majorFont>
       <a:minorFont>
-        <a:latin typeface="Calibri" panose="020F0502020204030204"/>
+        <a:latin typeface="Calibri"/>
         <a:ea typeface=""/>
         <a:cs typeface=""/>
         <a:font script="Jpan" typeface="ＭＳ Ｐゴシック"/>
@@ -4681,7 +4712,7 @@
   <a:extraClrSchemeLst/>
   <a:extLst>
     <a:ext uri="{05A4C25C-085E-4340-85A3-A5531E510DB2}">
-      <thm15:themeFamily xmlns:thm15="http://schemas.microsoft.com/office/thememl/2012/main" name="Office Theme" id="{62F939B6-93AF-4DB8-9C6B-D6C7DFDC589F}" vid="{4A3C46E8-61CC-4603-A589-7422A47A8E4A}"/>
+      <thm15:themeFamily xmlns:thm15="http://schemas.microsoft.com/office/thememl/2012/main" xmlns="" name="Office Theme" id="{62F939B6-93AF-4DB8-9C6B-D6C7DFDC589F}" vid="{4A3C46E8-61CC-4603-A589-7422A47A8E4A}"/>
     </a:ext>
   </a:extLst>
 </a:theme>

--- a/sociadee.pptx
+++ b/sociadee.pptx
@@ -8,8 +8,12 @@
     <p:sldId id="256" r:id="rId2"/>
     <p:sldId id="257" r:id="rId3"/>
     <p:sldId id="258" r:id="rId4"/>
-    <p:sldId id="259" r:id="rId5"/>
-    <p:sldId id="260" r:id="rId6"/>
+    <p:sldId id="260" r:id="rId5"/>
+    <p:sldId id="259" r:id="rId6"/>
+    <p:sldId id="261" r:id="rId7"/>
+    <p:sldId id="262" r:id="rId8"/>
+    <p:sldId id="263" r:id="rId9"/>
+    <p:sldId id="264" r:id="rId10"/>
   </p:sldIdLst>
   <p:sldSz cx="12192000" cy="6858000"/>
   <p:notesSz cx="6858000" cy="9144000"/>
@@ -108,6 +112,22 @@
       </a:defRPr>
     </a:lvl9pPr>
   </p:defaultTextStyle>
+  <p:extLst>
+    <p:ext uri="{EFAFB233-063F-42B5-8137-9DF3F51BA10A}">
+      <p15:sldGuideLst xmlns:p15="http://schemas.microsoft.com/office/powerpoint/2012/main">
+        <p15:guide id="1" orient="horz" pos="2160">
+          <p15:clr>
+            <a:srgbClr val="A4A3A4"/>
+          </p15:clr>
+        </p15:guide>
+        <p15:guide id="2" pos="3840">
+          <p15:clr>
+            <a:srgbClr val="A4A3A4"/>
+          </p15:clr>
+        </p15:guide>
+      </p15:sldGuideLst>
+    </p:ext>
+  </p:extLst>
 </p:presentation>
 </file>
 
@@ -243,7 +263,7 @@
             <a:fld id="{B2E76E71-8E34-4F6C-A5E5-83D4C4DF929B}" type="datetimeFigureOut">
               <a:rPr lang="fr-FR" smtClean="0"/>
               <a:pPr/>
-              <a:t>23/01/2016</a:t>
+              <a:t>25/01/2016</a:t>
             </a:fld>
             <a:endParaRPr lang="fr-FR"/>
           </a:p>
@@ -286,7 +306,7 @@
             <a:fld id="{A14ADEE4-82C6-4B92-955F-2AB0B57ECAFC}" type="slidenum">
               <a:rPr lang="fr-FR" smtClean="0"/>
               <a:pPr/>
-              <a:t>‹#›</a:t>
+              <a:t>‹N°›</a:t>
             </a:fld>
             <a:endParaRPr lang="fr-FR"/>
           </a:p>
@@ -295,7 +315,7 @@
     </p:spTree>
     <p:extLst>
       <p:ext uri="{BB962C8B-B14F-4D97-AF65-F5344CB8AC3E}">
-        <p14:creationId xmlns:p14="http://schemas.microsoft.com/office/powerpoint/2010/main" xmlns="" val="2684970104"/>
+        <p14:creationId xmlns:p14="http://schemas.microsoft.com/office/powerpoint/2010/main" val="2684970104"/>
       </p:ext>
     </p:extLst>
   </p:cSld>
@@ -415,7 +435,7 @@
             <a:fld id="{B2E76E71-8E34-4F6C-A5E5-83D4C4DF929B}" type="datetimeFigureOut">
               <a:rPr lang="fr-FR" smtClean="0"/>
               <a:pPr/>
-              <a:t>23/01/2016</a:t>
+              <a:t>25/01/2016</a:t>
             </a:fld>
             <a:endParaRPr lang="fr-FR"/>
           </a:p>
@@ -458,7 +478,7 @@
             <a:fld id="{A14ADEE4-82C6-4B92-955F-2AB0B57ECAFC}" type="slidenum">
               <a:rPr lang="fr-FR" smtClean="0"/>
               <a:pPr/>
-              <a:t>‹#›</a:t>
+              <a:t>‹N°›</a:t>
             </a:fld>
             <a:endParaRPr lang="fr-FR"/>
           </a:p>
@@ -467,7 +487,7 @@
     </p:spTree>
     <p:extLst>
       <p:ext uri="{BB962C8B-B14F-4D97-AF65-F5344CB8AC3E}">
-        <p14:creationId xmlns:p14="http://schemas.microsoft.com/office/powerpoint/2010/main" xmlns="" val="2227372819"/>
+        <p14:creationId xmlns:p14="http://schemas.microsoft.com/office/powerpoint/2010/main" val="2227372819"/>
       </p:ext>
     </p:extLst>
   </p:cSld>
@@ -597,7 +617,7 @@
             <a:fld id="{B2E76E71-8E34-4F6C-A5E5-83D4C4DF929B}" type="datetimeFigureOut">
               <a:rPr lang="fr-FR" smtClean="0"/>
               <a:pPr/>
-              <a:t>23/01/2016</a:t>
+              <a:t>25/01/2016</a:t>
             </a:fld>
             <a:endParaRPr lang="fr-FR"/>
           </a:p>
@@ -640,7 +660,7 @@
             <a:fld id="{A14ADEE4-82C6-4B92-955F-2AB0B57ECAFC}" type="slidenum">
               <a:rPr lang="fr-FR" smtClean="0"/>
               <a:pPr/>
-              <a:t>‹#›</a:t>
+              <a:t>‹N°›</a:t>
             </a:fld>
             <a:endParaRPr lang="fr-FR"/>
           </a:p>
@@ -649,7 +669,7 @@
     </p:spTree>
     <p:extLst>
       <p:ext uri="{BB962C8B-B14F-4D97-AF65-F5344CB8AC3E}">
-        <p14:creationId xmlns:p14="http://schemas.microsoft.com/office/powerpoint/2010/main" xmlns="" val="1415407680"/>
+        <p14:creationId xmlns:p14="http://schemas.microsoft.com/office/powerpoint/2010/main" val="1415407680"/>
       </p:ext>
     </p:extLst>
   </p:cSld>
@@ -769,7 +789,7 @@
             <a:fld id="{B2E76E71-8E34-4F6C-A5E5-83D4C4DF929B}" type="datetimeFigureOut">
               <a:rPr lang="fr-FR" smtClean="0"/>
               <a:pPr/>
-              <a:t>23/01/2016</a:t>
+              <a:t>25/01/2016</a:t>
             </a:fld>
             <a:endParaRPr lang="fr-FR"/>
           </a:p>
@@ -812,7 +832,7 @@
             <a:fld id="{A14ADEE4-82C6-4B92-955F-2AB0B57ECAFC}" type="slidenum">
               <a:rPr lang="fr-FR" smtClean="0"/>
               <a:pPr/>
-              <a:t>‹#›</a:t>
+              <a:t>‹N°›</a:t>
             </a:fld>
             <a:endParaRPr lang="fr-FR"/>
           </a:p>
@@ -821,7 +841,7 @@
     </p:spTree>
     <p:extLst>
       <p:ext uri="{BB962C8B-B14F-4D97-AF65-F5344CB8AC3E}">
-        <p14:creationId xmlns:p14="http://schemas.microsoft.com/office/powerpoint/2010/main" xmlns="" val="109533796"/>
+        <p14:creationId xmlns:p14="http://schemas.microsoft.com/office/powerpoint/2010/main" val="109533796"/>
       </p:ext>
     </p:extLst>
   </p:cSld>
@@ -1017,7 +1037,7 @@
             <a:fld id="{B2E76E71-8E34-4F6C-A5E5-83D4C4DF929B}" type="datetimeFigureOut">
               <a:rPr lang="fr-FR" smtClean="0"/>
               <a:pPr/>
-              <a:t>23/01/2016</a:t>
+              <a:t>25/01/2016</a:t>
             </a:fld>
             <a:endParaRPr lang="fr-FR"/>
           </a:p>
@@ -1060,7 +1080,7 @@
             <a:fld id="{A14ADEE4-82C6-4B92-955F-2AB0B57ECAFC}" type="slidenum">
               <a:rPr lang="fr-FR" smtClean="0"/>
               <a:pPr/>
-              <a:t>‹#›</a:t>
+              <a:t>‹N°›</a:t>
             </a:fld>
             <a:endParaRPr lang="fr-FR"/>
           </a:p>
@@ -1069,7 +1089,7 @@
     </p:spTree>
     <p:extLst>
       <p:ext uri="{BB962C8B-B14F-4D97-AF65-F5344CB8AC3E}">
-        <p14:creationId xmlns:p14="http://schemas.microsoft.com/office/powerpoint/2010/main" xmlns="" val="1633108349"/>
+        <p14:creationId xmlns:p14="http://schemas.microsoft.com/office/powerpoint/2010/main" val="1633108349"/>
       </p:ext>
     </p:extLst>
   </p:cSld>
@@ -1251,7 +1271,7 @@
             <a:fld id="{B2E76E71-8E34-4F6C-A5E5-83D4C4DF929B}" type="datetimeFigureOut">
               <a:rPr lang="fr-FR" smtClean="0"/>
               <a:pPr/>
-              <a:t>23/01/2016</a:t>
+              <a:t>25/01/2016</a:t>
             </a:fld>
             <a:endParaRPr lang="fr-FR"/>
           </a:p>
@@ -1294,7 +1314,7 @@
             <a:fld id="{A14ADEE4-82C6-4B92-955F-2AB0B57ECAFC}" type="slidenum">
               <a:rPr lang="fr-FR" smtClean="0"/>
               <a:pPr/>
-              <a:t>‹#›</a:t>
+              <a:t>‹N°›</a:t>
             </a:fld>
             <a:endParaRPr lang="fr-FR"/>
           </a:p>
@@ -1303,7 +1323,7 @@
     </p:spTree>
     <p:extLst>
       <p:ext uri="{BB962C8B-B14F-4D97-AF65-F5344CB8AC3E}">
-        <p14:creationId xmlns:p14="http://schemas.microsoft.com/office/powerpoint/2010/main" xmlns="" val="902589620"/>
+        <p14:creationId xmlns:p14="http://schemas.microsoft.com/office/powerpoint/2010/main" val="902589620"/>
       </p:ext>
     </p:extLst>
   </p:cSld>
@@ -1620,7 +1640,7 @@
             <a:fld id="{B2E76E71-8E34-4F6C-A5E5-83D4C4DF929B}" type="datetimeFigureOut">
               <a:rPr lang="fr-FR" smtClean="0"/>
               <a:pPr/>
-              <a:t>23/01/2016</a:t>
+              <a:t>25/01/2016</a:t>
             </a:fld>
             <a:endParaRPr lang="fr-FR"/>
           </a:p>
@@ -1663,7 +1683,7 @@
             <a:fld id="{A14ADEE4-82C6-4B92-955F-2AB0B57ECAFC}" type="slidenum">
               <a:rPr lang="fr-FR" smtClean="0"/>
               <a:pPr/>
-              <a:t>‹#›</a:t>
+              <a:t>‹N°›</a:t>
             </a:fld>
             <a:endParaRPr lang="fr-FR"/>
           </a:p>
@@ -1672,7 +1692,7 @@
     </p:spTree>
     <p:extLst>
       <p:ext uri="{BB962C8B-B14F-4D97-AF65-F5344CB8AC3E}">
-        <p14:creationId xmlns:p14="http://schemas.microsoft.com/office/powerpoint/2010/main" xmlns="" val="967841413"/>
+        <p14:creationId xmlns:p14="http://schemas.microsoft.com/office/powerpoint/2010/main" val="967841413"/>
       </p:ext>
     </p:extLst>
   </p:cSld>
@@ -1740,7 +1760,7 @@
             <a:fld id="{B2E76E71-8E34-4F6C-A5E5-83D4C4DF929B}" type="datetimeFigureOut">
               <a:rPr lang="fr-FR" smtClean="0"/>
               <a:pPr/>
-              <a:t>23/01/2016</a:t>
+              <a:t>25/01/2016</a:t>
             </a:fld>
             <a:endParaRPr lang="fr-FR"/>
           </a:p>
@@ -1783,7 +1803,7 @@
             <a:fld id="{A14ADEE4-82C6-4B92-955F-2AB0B57ECAFC}" type="slidenum">
               <a:rPr lang="fr-FR" smtClean="0"/>
               <a:pPr/>
-              <a:t>‹#›</a:t>
+              <a:t>‹N°›</a:t>
             </a:fld>
             <a:endParaRPr lang="fr-FR"/>
           </a:p>
@@ -1792,7 +1812,7 @@
     </p:spTree>
     <p:extLst>
       <p:ext uri="{BB962C8B-B14F-4D97-AF65-F5344CB8AC3E}">
-        <p14:creationId xmlns:p14="http://schemas.microsoft.com/office/powerpoint/2010/main" xmlns="" val="2828384650"/>
+        <p14:creationId xmlns:p14="http://schemas.microsoft.com/office/powerpoint/2010/main" val="2828384650"/>
       </p:ext>
     </p:extLst>
   </p:cSld>
@@ -1837,7 +1857,7 @@
             <a:fld id="{B2E76E71-8E34-4F6C-A5E5-83D4C4DF929B}" type="datetimeFigureOut">
               <a:rPr lang="fr-FR" smtClean="0"/>
               <a:pPr/>
-              <a:t>23/01/2016</a:t>
+              <a:t>25/01/2016</a:t>
             </a:fld>
             <a:endParaRPr lang="fr-FR"/>
           </a:p>
@@ -1880,7 +1900,7 @@
             <a:fld id="{A14ADEE4-82C6-4B92-955F-2AB0B57ECAFC}" type="slidenum">
               <a:rPr lang="fr-FR" smtClean="0"/>
               <a:pPr/>
-              <a:t>‹#›</a:t>
+              <a:t>‹N°›</a:t>
             </a:fld>
             <a:endParaRPr lang="fr-FR"/>
           </a:p>
@@ -1889,7 +1909,7 @@
     </p:spTree>
     <p:extLst>
       <p:ext uri="{BB962C8B-B14F-4D97-AF65-F5344CB8AC3E}">
-        <p14:creationId xmlns:p14="http://schemas.microsoft.com/office/powerpoint/2010/main" xmlns="" val="59376528"/>
+        <p14:creationId xmlns:p14="http://schemas.microsoft.com/office/powerpoint/2010/main" val="59376528"/>
       </p:ext>
     </p:extLst>
   </p:cSld>
@@ -2116,7 +2136,7 @@
             <a:fld id="{B2E76E71-8E34-4F6C-A5E5-83D4C4DF929B}" type="datetimeFigureOut">
               <a:rPr lang="fr-FR" smtClean="0"/>
               <a:pPr/>
-              <a:t>23/01/2016</a:t>
+              <a:t>25/01/2016</a:t>
             </a:fld>
             <a:endParaRPr lang="fr-FR"/>
           </a:p>
@@ -2159,7 +2179,7 @@
             <a:fld id="{A14ADEE4-82C6-4B92-955F-2AB0B57ECAFC}" type="slidenum">
               <a:rPr lang="fr-FR" smtClean="0"/>
               <a:pPr/>
-              <a:t>‹#›</a:t>
+              <a:t>‹N°›</a:t>
             </a:fld>
             <a:endParaRPr lang="fr-FR"/>
           </a:p>
@@ -2168,7 +2188,7 @@
     </p:spTree>
     <p:extLst>
       <p:ext uri="{BB962C8B-B14F-4D97-AF65-F5344CB8AC3E}">
-        <p14:creationId xmlns:p14="http://schemas.microsoft.com/office/powerpoint/2010/main" xmlns="" val="310087305"/>
+        <p14:creationId xmlns:p14="http://schemas.microsoft.com/office/powerpoint/2010/main" val="310087305"/>
       </p:ext>
     </p:extLst>
   </p:cSld>
@@ -2371,7 +2391,7 @@
             <a:fld id="{B2E76E71-8E34-4F6C-A5E5-83D4C4DF929B}" type="datetimeFigureOut">
               <a:rPr lang="fr-FR" smtClean="0"/>
               <a:pPr/>
-              <a:t>23/01/2016</a:t>
+              <a:t>25/01/2016</a:t>
             </a:fld>
             <a:endParaRPr lang="fr-FR"/>
           </a:p>
@@ -2414,7 +2434,7 @@
             <a:fld id="{A14ADEE4-82C6-4B92-955F-2AB0B57ECAFC}" type="slidenum">
               <a:rPr lang="fr-FR" smtClean="0"/>
               <a:pPr/>
-              <a:t>‹#›</a:t>
+              <a:t>‹N°›</a:t>
             </a:fld>
             <a:endParaRPr lang="fr-FR"/>
           </a:p>
@@ -2423,7 +2443,7 @@
     </p:spTree>
     <p:extLst>
       <p:ext uri="{BB962C8B-B14F-4D97-AF65-F5344CB8AC3E}">
-        <p14:creationId xmlns:p14="http://schemas.microsoft.com/office/powerpoint/2010/main" xmlns="" val="600042663"/>
+        <p14:creationId xmlns:p14="http://schemas.microsoft.com/office/powerpoint/2010/main" val="600042663"/>
       </p:ext>
     </p:extLst>
   </p:cSld>
@@ -2586,7 +2606,7 @@
             <a:fld id="{B2E76E71-8E34-4F6C-A5E5-83D4C4DF929B}" type="datetimeFigureOut">
               <a:rPr lang="fr-FR" smtClean="0"/>
               <a:pPr/>
-              <a:t>23/01/2016</a:t>
+              <a:t>25/01/2016</a:t>
             </a:fld>
             <a:endParaRPr lang="fr-FR"/>
           </a:p>
@@ -2665,7 +2685,7 @@
             <a:fld id="{A14ADEE4-82C6-4B92-955F-2AB0B57ECAFC}" type="slidenum">
               <a:rPr lang="fr-FR" smtClean="0"/>
               <a:pPr/>
-              <a:t>‹#›</a:t>
+              <a:t>‹N°›</a:t>
             </a:fld>
             <a:endParaRPr lang="fr-FR"/>
           </a:p>
@@ -2674,7 +2694,7 @@
     </p:spTree>
     <p:extLst>
       <p:ext uri="{BB962C8B-B14F-4D97-AF65-F5344CB8AC3E}">
-        <p14:creationId xmlns:p14="http://schemas.microsoft.com/office/powerpoint/2010/main" xmlns="" val="559477779"/>
+        <p14:creationId xmlns:p14="http://schemas.microsoft.com/office/powerpoint/2010/main" val="559477779"/>
       </p:ext>
     </p:extLst>
   </p:cSld>
@@ -3018,7 +3038,7 @@
         </p:nvSpPr>
         <p:spPr>
           <a:xfrm>
-            <a:off x="3620281" y="1946065"/>
+            <a:off x="4629442" y="3445352"/>
             <a:ext cx="7366000" cy="1376363"/>
           </a:xfrm>
         </p:spPr>
@@ -3028,19 +3048,54 @@
           </a:bodyPr>
           <a:lstStyle/>
           <a:p>
+            <a:pPr algn="r"/>
             <a:r>
               <a:rPr lang="fr-FR" sz="4400" dirty="0" smtClean="0">
                 <a:latin typeface="Adobe Ming Std L" panose="02020300000000000000" pitchFamily="18" charset="-128"/>
                 <a:ea typeface="Adobe Ming Std L" panose="02020300000000000000" pitchFamily="18" charset="-128"/>
               </a:rPr>
-              <a:t>Youssef Azzaoui and </a:t>
+              <a:t>Youssef </a:t>
             </a:r>
             <a:r>
               <a:rPr lang="fr-FR" sz="4400" dirty="0" smtClean="0">
                 <a:latin typeface="Adobe Ming Std L" panose="02020300000000000000" pitchFamily="18" charset="-128"/>
                 <a:ea typeface="Adobe Ming Std L" panose="02020300000000000000" pitchFamily="18" charset="-128"/>
               </a:rPr>
-              <a:t>Hee Namkung</a:t>
+              <a:t>Azzaoui </a:t>
+            </a:r>
+            <a:r>
+              <a:rPr lang="fr-FR" sz="4400" dirty="0">
+                <a:latin typeface="Adobe Ming Std L" panose="02020300000000000000" pitchFamily="18" charset="-128"/>
+                <a:ea typeface="Adobe Ming Std L" panose="02020300000000000000" pitchFamily="18" charset="-128"/>
+              </a:rPr>
+              <a:t/>
+            </a:r>
+            <a:br>
+              <a:rPr lang="fr-FR" sz="4400" dirty="0">
+                <a:latin typeface="Adobe Ming Std L" panose="02020300000000000000" pitchFamily="18" charset="-128"/>
+                <a:ea typeface="Adobe Ming Std L" panose="02020300000000000000" pitchFamily="18" charset="-128"/>
+              </a:rPr>
+            </a:br>
+            <a:r>
+              <a:rPr lang="fr-FR" sz="4400" dirty="0" err="1" smtClean="0">
+                <a:latin typeface="Adobe Ming Std L" panose="02020300000000000000" pitchFamily="18" charset="-128"/>
+                <a:ea typeface="Adobe Ming Std L" panose="02020300000000000000" pitchFamily="18" charset="-128"/>
+              </a:rPr>
+              <a:t>Hee</a:t>
+            </a:r>
+            <a:r>
+              <a:rPr lang="fr-FR" sz="4400" dirty="0" smtClean="0">
+                <a:latin typeface="Adobe Ming Std L" panose="02020300000000000000" pitchFamily="18" charset="-128"/>
+                <a:ea typeface="Adobe Ming Std L" panose="02020300000000000000" pitchFamily="18" charset="-128"/>
+              </a:rPr>
+              <a:t> </a:t>
+            </a:r>
+            <a:r>
+              <a:rPr lang="fr-FR" sz="4400" dirty="0" smtClean="0">
+                <a:latin typeface="Adobe Ming Std L" panose="02020300000000000000" pitchFamily="18" charset="-128"/>
+                <a:ea typeface="Adobe Ming Std L" panose="02020300000000000000" pitchFamily="18" charset="-128"/>
+              </a:rPr>
+              <a:t>Namkung</a:t>
             </a:r>
             <a:endParaRPr lang="fr-FR" sz="4400" dirty="0">
               <a:latin typeface="Adobe Ming Std L" panose="02020300000000000000" pitchFamily="18" charset="-128"/>
@@ -3061,7 +3116,7 @@
           <a:blip r:embed="rId3" cstate="print">
             <a:extLst>
               <a:ext uri="{28A0092B-C50C-407E-A947-70E740481C1C}">
-                <a14:useLocalDpi xmlns:a14="http://schemas.microsoft.com/office/drawing/2010/main" xmlns="" val="0"/>
+                <a14:useLocalDpi xmlns:a14="http://schemas.microsoft.com/office/drawing/2010/main" val="0"/>
               </a:ext>
             </a:extLst>
           </a:blip>
@@ -3091,7 +3146,7 @@
           <a:blip r:embed="rId4" cstate="print">
             <a:extLst>
               <a:ext uri="{28A0092B-C50C-407E-A947-70E740481C1C}">
-                <a14:useLocalDpi xmlns:a14="http://schemas.microsoft.com/office/drawing/2010/main" xmlns="" val="0"/>
+                <a14:useLocalDpi xmlns:a14="http://schemas.microsoft.com/office/drawing/2010/main" val="0"/>
               </a:ext>
             </a:extLst>
           </a:blip>
@@ -3116,23 +3171,61 @@
           </a:effectLst>
         </p:spPr>
       </p:pic>
+      <p:sp>
+        <p:nvSpPr>
+          <p:cNvPr id="3" name="ZoneTexte 2"/>
+          <p:cNvSpPr txBox="1"/>
+          <p:nvPr/>
+        </p:nvSpPr>
+        <p:spPr>
+          <a:xfrm>
+            <a:off x="7645863" y="1696994"/>
+            <a:ext cx="4349579" cy="369332"/>
+          </a:xfrm>
+          <a:prstGeom prst="rect">
+            <a:avLst/>
+          </a:prstGeom>
+          <a:noFill/>
+        </p:spPr>
+        <p:txBody>
+          <a:bodyPr wrap="square" rtlCol="0">
+            <a:spAutoFit/>
+          </a:bodyPr>
+          <a:lstStyle/>
+          <a:p>
+            <a:r>
+              <a:rPr lang="fr-FR" dirty="0" smtClean="0"/>
+              <a:t>The </a:t>
+            </a:r>
+            <a:r>
+              <a:rPr lang="fr-FR" dirty="0" err="1" smtClean="0"/>
+              <a:t>Next-Gen</a:t>
+            </a:r>
+            <a:r>
+              <a:rPr lang="fr-FR" dirty="0" smtClean="0"/>
+              <a:t> Social App</a:t>
+            </a:r>
+            <a:endParaRPr lang="fr-FR" dirty="0"/>
+          </a:p>
+        </p:txBody>
+      </p:sp>
     </p:spTree>
     <p:extLst>
       <p:ext uri="{BB962C8B-B14F-4D97-AF65-F5344CB8AC3E}">
-        <p14:creationId xmlns:p14="http://schemas.microsoft.com/office/powerpoint/2010/main" xmlns="" val="3297827901"/>
+        <p14:creationId xmlns:p14="http://schemas.microsoft.com/office/powerpoint/2010/main" val="3297827901"/>
       </p:ext>
     </p:extLst>
   </p:cSld>
   <p:clrMapOvr>
     <a:masterClrMapping/>
   </p:clrMapOvr>
-  <mc:AlternateContent xmlns:mc="http://schemas.openxmlformats.org/markup-compatibility/2006">
-    <mc:Choice xmlns:p14="http://schemas.microsoft.com/office/powerpoint/2010/main" xmlns="" Requires="p14">
+  <mc:AlternateContent xmlns:mc="http://schemas.openxmlformats.org/markup-compatibility/2006" xmlns:p14="http://schemas.microsoft.com/office/powerpoint/2010/main">
+    <mc:Choice Requires="p14">
       <p:transition spd="med" p14:dur="700">
         <p:fade/>
       </p:transition>
     </mc:Choice>
-    <mc:Fallback>
+    <mc:Fallback xmlns="">
       <p:transition spd="med">
         <p:fade/>
       </p:transition>
@@ -3419,11 +3512,18 @@
               <a:t> </a:t>
             </a:r>
             <a:r>
+              <a:rPr lang="fr-FR" dirty="0" smtClean="0">
+                <a:latin typeface="Adobe Ming Std L" panose="02020300000000000000" pitchFamily="18" charset="-128"/>
+                <a:ea typeface="Adobe Ming Std L" panose="02020300000000000000" pitchFamily="18" charset="-128"/>
+              </a:rPr>
+              <a:t>Facebook </a:t>
+            </a:r>
+            <a:r>
               <a:rPr lang="fr-FR" dirty="0" err="1" smtClean="0">
                 <a:latin typeface="Adobe Ming Std L" panose="02020300000000000000" pitchFamily="18" charset="-128"/>
                 <a:ea typeface="Adobe Ming Std L" panose="02020300000000000000" pitchFamily="18" charset="-128"/>
               </a:rPr>
-              <a:t>Faceboook</a:t>
+              <a:t>pictures</a:t>
             </a:r>
             <a:r>
               <a:rPr lang="fr-FR" dirty="0" smtClean="0">
@@ -3433,11 +3533,24 @@
               <a:t> </a:t>
             </a:r>
             <a:r>
+              <a:rPr lang="fr-FR" dirty="0" smtClean="0">
+                <a:latin typeface="Adobe Ming Std L" panose="02020300000000000000" pitchFamily="18" charset="-128"/>
+                <a:ea typeface="Adobe Ming Std L" panose="02020300000000000000" pitchFamily="18" charset="-128"/>
+              </a:rPr>
+              <a:t>.</a:t>
+            </a:r>
+            <a:endParaRPr lang="fr-FR" dirty="0" smtClean="0">
+              <a:latin typeface="Adobe Ming Std L" panose="02020300000000000000" pitchFamily="18" charset="-128"/>
+              <a:ea typeface="Adobe Ming Std L" panose="02020300000000000000" pitchFamily="18" charset="-128"/>
+            </a:endParaRPr>
+          </a:p>
+          <a:p>
+            <a:r>
               <a:rPr lang="fr-FR" dirty="0" err="1" smtClean="0">
                 <a:latin typeface="Adobe Ming Std L" panose="02020300000000000000" pitchFamily="18" charset="-128"/>
                 <a:ea typeface="Adobe Ming Std L" panose="02020300000000000000" pitchFamily="18" charset="-128"/>
               </a:rPr>
-              <a:t>pictures</a:t>
+              <a:t>Discuss</a:t>
             </a:r>
             <a:r>
               <a:rPr lang="fr-FR" dirty="0" smtClean="0">
@@ -3446,20 +3559,32 @@
               </a:rPr>
               <a:t> </a:t>
             </a:r>
-          </a:p>
-          <a:p>
             <a:r>
               <a:rPr lang="fr-FR" dirty="0" err="1" smtClean="0">
                 <a:latin typeface="Adobe Ming Std L" panose="02020300000000000000" pitchFamily="18" charset="-128"/>
                 <a:ea typeface="Adobe Ming Std L" panose="02020300000000000000" pitchFamily="18" charset="-128"/>
               </a:rPr>
-              <a:t>Discuss</a:t>
+              <a:t>with</a:t>
             </a:r>
             <a:r>
               <a:rPr lang="fr-FR" dirty="0" smtClean="0">
                 <a:latin typeface="Adobe Ming Std L" panose="02020300000000000000" pitchFamily="18" charset="-128"/>
                 <a:ea typeface="Adobe Ming Std L" panose="02020300000000000000" pitchFamily="18" charset="-128"/>
               </a:rPr>
+              <a:t> people </a:t>
+            </a:r>
+            <a:r>
+              <a:rPr lang="fr-FR" dirty="0" err="1" smtClean="0">
+                <a:latin typeface="Adobe Ming Std L" panose="02020300000000000000" pitchFamily="18" charset="-128"/>
+                <a:ea typeface="Adobe Ming Std L" panose="02020300000000000000" pitchFamily="18" charset="-128"/>
+              </a:rPr>
+              <a:t>around</a:t>
+            </a:r>
+            <a:r>
+              <a:rPr lang="fr-FR" dirty="0" smtClean="0">
+                <a:latin typeface="Adobe Ming Std L" panose="02020300000000000000" pitchFamily="18" charset="-128"/>
+                <a:ea typeface="Adobe Ming Std L" panose="02020300000000000000" pitchFamily="18" charset="-128"/>
+              </a:rPr>
               <a:t> </a:t>
             </a:r>
             <a:r>
@@ -3467,21 +3592,23 @@
                 <a:latin typeface="Adobe Ming Std L" panose="02020300000000000000" pitchFamily="18" charset="-128"/>
                 <a:ea typeface="Adobe Ming Std L" panose="02020300000000000000" pitchFamily="18" charset="-128"/>
               </a:rPr>
-              <a:t>with</a:t>
+              <a:t>you</a:t>
             </a:r>
             <a:r>
               <a:rPr lang="fr-FR" dirty="0" smtClean="0">
                 <a:latin typeface="Adobe Ming Std L" panose="02020300000000000000" pitchFamily="18" charset="-128"/>
                 <a:ea typeface="Adobe Ming Std L" panose="02020300000000000000" pitchFamily="18" charset="-128"/>
               </a:rPr>
-              <a:t> people </a:t>
-            </a:r>
+              <a:t>.</a:t>
+            </a:r>
+          </a:p>
+          <a:p>
             <a:r>
               <a:rPr lang="fr-FR" dirty="0" err="1" smtClean="0">
                 <a:latin typeface="Adobe Ming Std L" panose="02020300000000000000" pitchFamily="18" charset="-128"/>
                 <a:ea typeface="Adobe Ming Std L" panose="02020300000000000000" pitchFamily="18" charset="-128"/>
               </a:rPr>
-              <a:t>around</a:t>
+              <a:t>Create</a:t>
             </a:r>
             <a:r>
               <a:rPr lang="fr-FR" dirty="0" smtClean="0">
@@ -3495,23 +3622,21 @@
                 <a:latin typeface="Adobe Ming Std L" panose="02020300000000000000" pitchFamily="18" charset="-128"/>
                 <a:ea typeface="Adobe Ming Std L" panose="02020300000000000000" pitchFamily="18" charset="-128"/>
               </a:rPr>
-              <a:t>you</a:t>
+              <a:t>events</a:t>
             </a:r>
             <a:r>
               <a:rPr lang="fr-FR" dirty="0" smtClean="0">
                 <a:latin typeface="Adobe Ming Std L" panose="02020300000000000000" pitchFamily="18" charset="-128"/>
                 <a:ea typeface="Adobe Ming Std L" panose="02020300000000000000" pitchFamily="18" charset="-128"/>
               </a:rPr>
-              <a:t>.</a:t>
-            </a:r>
-          </a:p>
-          <a:p>
+              <a:t> on </a:t>
+            </a:r>
             <a:r>
               <a:rPr lang="fr-FR" dirty="0" err="1" smtClean="0">
                 <a:latin typeface="Adobe Ming Std L" panose="02020300000000000000" pitchFamily="18" charset="-128"/>
                 <a:ea typeface="Adobe Ming Std L" panose="02020300000000000000" pitchFamily="18" charset="-128"/>
               </a:rPr>
-              <a:t>Create</a:t>
+              <a:t>some</a:t>
             </a:r>
             <a:r>
               <a:rPr lang="fr-FR" dirty="0" smtClean="0">
@@ -3525,42 +3650,21 @@
                 <a:latin typeface="Adobe Ming Std L" panose="02020300000000000000" pitchFamily="18" charset="-128"/>
                 <a:ea typeface="Adobe Ming Std L" panose="02020300000000000000" pitchFamily="18" charset="-128"/>
               </a:rPr>
-              <a:t>events</a:t>
+              <a:t>particular</a:t>
             </a:r>
             <a:r>
               <a:rPr lang="fr-FR" dirty="0" smtClean="0">
                 <a:latin typeface="Adobe Ming Std L" panose="02020300000000000000" pitchFamily="18" charset="-128"/>
                 <a:ea typeface="Adobe Ming Std L" panose="02020300000000000000" pitchFamily="18" charset="-128"/>
               </a:rPr>
-              <a:t> on </a:t>
-            </a:r>
-            <a:r>
-              <a:rPr lang="fr-FR" dirty="0" err="1" smtClean="0">
-                <a:latin typeface="Adobe Ming Std L" panose="02020300000000000000" pitchFamily="18" charset="-128"/>
-                <a:ea typeface="Adobe Ming Std L" panose="02020300000000000000" pitchFamily="18" charset="-128"/>
-              </a:rPr>
-              <a:t>some</a:t>
+              <a:t> </a:t>
             </a:r>
             <a:r>
               <a:rPr lang="fr-FR" dirty="0" smtClean="0">
                 <a:latin typeface="Adobe Ming Std L" panose="02020300000000000000" pitchFamily="18" charset="-128"/>
                 <a:ea typeface="Adobe Ming Std L" panose="02020300000000000000" pitchFamily="18" charset="-128"/>
               </a:rPr>
-              <a:t> </a:t>
-            </a:r>
-            <a:r>
-              <a:rPr lang="fr-FR" dirty="0" err="1" smtClean="0">
-                <a:latin typeface="Adobe Ming Std L" panose="02020300000000000000" pitchFamily="18" charset="-128"/>
-                <a:ea typeface="Adobe Ming Std L" panose="02020300000000000000" pitchFamily="18" charset="-128"/>
-              </a:rPr>
-              <a:t>particular</a:t>
-            </a:r>
-            <a:r>
-              <a:rPr lang="fr-FR" dirty="0" smtClean="0">
-                <a:latin typeface="Adobe Ming Std L" panose="02020300000000000000" pitchFamily="18" charset="-128"/>
-                <a:ea typeface="Adobe Ming Std L" panose="02020300000000000000" pitchFamily="18" charset="-128"/>
-              </a:rPr>
-              <a:t> location</a:t>
+              <a:t>location.</a:t>
             </a:r>
             <a:endParaRPr lang="fr-FR" dirty="0">
               <a:latin typeface="Adobe Ming Std L" panose="02020300000000000000" pitchFamily="18" charset="-128"/>
@@ -3581,7 +3685,7 @@
           <a:blip r:embed="rId3" cstate="print">
             <a:extLst>
               <a:ext uri="{28A0092B-C50C-407E-A947-70E740481C1C}">
-                <a14:useLocalDpi xmlns:a14="http://schemas.microsoft.com/office/drawing/2010/main" xmlns="" val="0"/>
+                <a14:useLocalDpi xmlns:a14="http://schemas.microsoft.com/office/drawing/2010/main" val="0"/>
               </a:ext>
             </a:extLst>
           </a:blip>
@@ -3602,20 +3706,20 @@
     </p:spTree>
     <p:extLst>
       <p:ext uri="{BB962C8B-B14F-4D97-AF65-F5344CB8AC3E}">
-        <p14:creationId xmlns:p14="http://schemas.microsoft.com/office/powerpoint/2010/main" xmlns="" val="1662806148"/>
+        <p14:creationId xmlns:p14="http://schemas.microsoft.com/office/powerpoint/2010/main" val="1662806148"/>
       </p:ext>
     </p:extLst>
   </p:cSld>
   <p:clrMapOvr>
     <a:masterClrMapping/>
   </p:clrMapOvr>
-  <mc:AlternateContent xmlns:mc="http://schemas.openxmlformats.org/markup-compatibility/2006">
-    <mc:Choice xmlns:p14="http://schemas.microsoft.com/office/powerpoint/2010/main" xmlns="" Requires="p14">
+  <mc:AlternateContent xmlns:mc="http://schemas.openxmlformats.org/markup-compatibility/2006" xmlns:p14="http://schemas.microsoft.com/office/powerpoint/2010/main">
+    <mc:Choice Requires="p14">
       <p:transition spd="med" p14:dur="700">
         <p:fade/>
       </p:transition>
     </mc:Choice>
-    <mc:Fallback>
+    <mc:Fallback xmlns="">
       <p:transition spd="med">
         <p:fade/>
       </p:transition>
@@ -3696,7 +3800,21 @@
                 <a:latin typeface="Adobe Ming Std L" panose="02020300000000000000" pitchFamily="18" charset="-128"/>
                 <a:ea typeface="Adobe Ming Std L" panose="02020300000000000000" pitchFamily="18" charset="-128"/>
               </a:rPr>
-              <a:t> api </a:t>
+              <a:t> </a:t>
+            </a:r>
+            <a:r>
+              <a:rPr lang="fr-FR" sz="2800" dirty="0" smtClean="0">
+                <a:latin typeface="Adobe Ming Std L" panose="02020300000000000000" pitchFamily="18" charset="-128"/>
+                <a:ea typeface="Adobe Ming Std L" panose="02020300000000000000" pitchFamily="18" charset="-128"/>
+              </a:rPr>
+              <a:t>API</a:t>
+            </a:r>
+            <a:r>
+              <a:rPr lang="fr-FR" sz="2800" dirty="0" smtClean="0">
+                <a:latin typeface="Adobe Ming Std L" panose="02020300000000000000" pitchFamily="18" charset="-128"/>
+                <a:ea typeface="Adobe Ming Std L" panose="02020300000000000000" pitchFamily="18" charset="-128"/>
+              </a:rPr>
+              <a:t> </a:t>
             </a:r>
             <a:r>
               <a:rPr lang="fr-FR" sz="2800" dirty="0" err="1" smtClean="0">
@@ -3724,7 +3842,7 @@
           <a:blip r:embed="rId2" cstate="print">
             <a:extLst>
               <a:ext uri="{28A0092B-C50C-407E-A947-70E740481C1C}">
-                <a14:useLocalDpi xmlns:a14="http://schemas.microsoft.com/office/drawing/2010/main" xmlns="" val="0"/>
+                <a14:useLocalDpi xmlns:a14="http://schemas.microsoft.com/office/drawing/2010/main" val="0"/>
               </a:ext>
             </a:extLst>
           </a:blip>
@@ -3754,7 +3872,7 @@
           <a:blip r:embed="rId3" cstate="print">
             <a:extLst>
               <a:ext uri="{28A0092B-C50C-407E-A947-70E740481C1C}">
-                <a14:useLocalDpi xmlns:a14="http://schemas.microsoft.com/office/drawing/2010/main" xmlns="" val="0"/>
+                <a14:useLocalDpi xmlns:a14="http://schemas.microsoft.com/office/drawing/2010/main" val="0"/>
               </a:ext>
             </a:extLst>
           </a:blip>
@@ -3784,7 +3902,7 @@
           <a:blip r:embed="rId4" cstate="print">
             <a:extLst>
               <a:ext uri="{28A0092B-C50C-407E-A947-70E740481C1C}">
-                <a14:useLocalDpi xmlns:a14="http://schemas.microsoft.com/office/drawing/2010/main" xmlns="" val="0"/>
+                <a14:useLocalDpi xmlns:a14="http://schemas.microsoft.com/office/drawing/2010/main" val="0"/>
               </a:ext>
             </a:extLst>
           </a:blip>
@@ -3814,7 +3932,7 @@
           <a:blip r:embed="rId5" cstate="print">
             <a:extLst>
               <a:ext uri="{28A0092B-C50C-407E-A947-70E740481C1C}">
-                <a14:useLocalDpi xmlns:a14="http://schemas.microsoft.com/office/drawing/2010/main" xmlns="" val="0"/>
+                <a14:useLocalDpi xmlns:a14="http://schemas.microsoft.com/office/drawing/2010/main" val="0"/>
               </a:ext>
             </a:extLst>
           </a:blip>
@@ -3835,20 +3953,20 @@
     </p:spTree>
     <p:extLst>
       <p:ext uri="{BB962C8B-B14F-4D97-AF65-F5344CB8AC3E}">
-        <p14:creationId xmlns:p14="http://schemas.microsoft.com/office/powerpoint/2010/main" xmlns="" val="963687284"/>
+        <p14:creationId xmlns:p14="http://schemas.microsoft.com/office/powerpoint/2010/main" val="963687284"/>
       </p:ext>
     </p:extLst>
   </p:cSld>
   <p:clrMapOvr>
     <a:masterClrMapping/>
   </p:clrMapOvr>
-  <mc:AlternateContent xmlns:mc="http://schemas.openxmlformats.org/markup-compatibility/2006">
-    <mc:Choice xmlns:p14="http://schemas.microsoft.com/office/powerpoint/2010/main" xmlns="" Requires="p14">
+  <mc:AlternateContent xmlns:mc="http://schemas.openxmlformats.org/markup-compatibility/2006" xmlns:p14="http://schemas.microsoft.com/office/powerpoint/2010/main">
+    <mc:Choice Requires="p14">
       <p:transition spd="med" p14:dur="700">
         <p:fade/>
       </p:transition>
     </mc:Choice>
-    <mc:Fallback>
+    <mc:Fallback xmlns="">
       <p:transition spd="med">
         <p:fade/>
       </p:transition>
@@ -3893,8 +4011,8 @@
         </p:nvSpPr>
         <p:spPr>
           <a:xfrm>
-            <a:off x="6898640" y="538480"/>
-            <a:ext cx="4653280" cy="1717040"/>
+            <a:off x="1676400" y="263968"/>
+            <a:ext cx="10515600" cy="1325563"/>
           </a:xfrm>
         </p:spPr>
         <p:txBody>
@@ -3902,23 +4020,22 @@
           <a:lstStyle/>
           <a:p>
             <a:r>
-              <a:rPr lang="fr-FR" dirty="0" smtClean="0">
-                <a:latin typeface="Adobe Ming Std L" panose="02020300000000000000" pitchFamily="18" charset="-128"/>
-                <a:ea typeface="Adobe Ming Std L" panose="02020300000000000000" pitchFamily="18" charset="-128"/>
-              </a:rPr>
-              <a:t>Login </a:t>
-            </a:r>
-            <a:r>
-              <a:rPr lang="fr-FR" dirty="0" err="1" smtClean="0">
-                <a:latin typeface="Adobe Ming Std L" panose="02020300000000000000" pitchFamily="18" charset="-128"/>
-                <a:ea typeface="Adobe Ming Std L" panose="02020300000000000000" pitchFamily="18" charset="-128"/>
-              </a:rPr>
-              <a:t>activity</a:t>
-            </a:r>
-            <a:endParaRPr lang="fr-FR" dirty="0">
-              <a:latin typeface="Adobe Ming Std L" panose="02020300000000000000" pitchFamily="18" charset="-128"/>
-              <a:ea typeface="Adobe Ming Std L" panose="02020300000000000000" pitchFamily="18" charset="-128"/>
-            </a:endParaRPr>
+              <a:rPr lang="fr-FR" dirty="0" err="1" smtClean="0"/>
+              <a:t>GitHub</a:t>
+            </a:r>
+            <a:r>
+              <a:rPr lang="fr-FR" dirty="0" smtClean="0"/>
+              <a:t> for collaborative </a:t>
+            </a:r>
+            <a:r>
+              <a:rPr lang="fr-FR" dirty="0" err="1" smtClean="0"/>
+              <a:t>deve</a:t>
+            </a:r>
+            <a:r>
+              <a:rPr lang="fr-FR" dirty="0" err="1" smtClean="0"/>
+              <a:t>lopment</a:t>
+            </a:r>
+            <a:endParaRPr lang="fr-FR" dirty="0"/>
           </a:p>
         </p:txBody>
       </p:sp>
@@ -3931,10 +4048,10 @@
           <p:nvPr/>
         </p:nvPicPr>
         <p:blipFill>
-          <a:blip r:embed="rId2" cstate="print">
+          <a:blip r:embed="rId2">
             <a:extLst>
               <a:ext uri="{28A0092B-C50C-407E-A947-70E740481C1C}">
-                <a14:useLocalDpi xmlns:a14="http://schemas.microsoft.com/office/drawing/2010/main" xmlns="" val="0"/>
+                <a14:useLocalDpi xmlns:a14="http://schemas.microsoft.com/office/drawing/2010/main" val="0"/>
               </a:ext>
             </a:extLst>
           </a:blip>
@@ -3944,431 +4061,27 @@
         </p:blipFill>
         <p:spPr>
           <a:xfrm>
-            <a:off x="0" y="0"/>
-            <a:ext cx="5151120" cy="6870972"/>
+            <a:off x="2775930" y="1589531"/>
+            <a:ext cx="6640140" cy="4840102"/>
           </a:xfrm>
           <a:prstGeom prst="rect">
             <a:avLst/>
           </a:prstGeom>
         </p:spPr>
       </p:pic>
-      <p:sp>
-        <p:nvSpPr>
-          <p:cNvPr id="5" name="ZoneTexte 4"/>
-          <p:cNvSpPr txBox="1"/>
-          <p:nvPr/>
-        </p:nvSpPr>
-        <p:spPr>
-          <a:xfrm>
-            <a:off x="5567680" y="2255520"/>
-            <a:ext cx="5984240" cy="2862322"/>
-          </a:xfrm>
-          <a:prstGeom prst="rect">
-            <a:avLst/>
-          </a:prstGeom>
-          <a:noFill/>
-        </p:spPr>
-        <p:txBody>
-          <a:bodyPr wrap="square" rtlCol="0">
-            <a:spAutoFit/>
-          </a:bodyPr>
-          <a:lstStyle/>
-          <a:p>
-            <a:pPr marL="285750" indent="-285750">
-              <a:buFont typeface="Arial" panose="020B0604020202020204" pitchFamily="34" charset="0"/>
-              <a:buChar char="•"/>
-            </a:pPr>
-            <a:r>
-              <a:rPr lang="fr-FR" dirty="0" err="1" smtClean="0">
-                <a:latin typeface="Adobe Caslon Pro" panose="0205050205050A020403" pitchFamily="18" charset="0"/>
-              </a:rPr>
-              <a:t>Connect</a:t>
-            </a:r>
-            <a:r>
-              <a:rPr lang="fr-FR" dirty="0" smtClean="0">
-                <a:latin typeface="Adobe Caslon Pro" panose="0205050205050A020403" pitchFamily="18" charset="0"/>
-              </a:rPr>
-              <a:t> to Facebook </a:t>
-            </a:r>
-            <a:r>
-              <a:rPr lang="fr-FR" dirty="0" err="1" smtClean="0">
-                <a:latin typeface="Adobe Caslon Pro" panose="0205050205050A020403" pitchFamily="18" charset="0"/>
-              </a:rPr>
-              <a:t>with</a:t>
-            </a:r>
-            <a:r>
-              <a:rPr lang="fr-FR" dirty="0" smtClean="0">
-                <a:latin typeface="Adobe Caslon Pro" panose="0205050205050A020403" pitchFamily="18" charset="0"/>
-              </a:rPr>
-              <a:t> </a:t>
-            </a:r>
-            <a:r>
-              <a:rPr lang="fr-FR" dirty="0" err="1" smtClean="0">
-                <a:latin typeface="Adobe Caslon Pro" panose="0205050205050A020403" pitchFamily="18" charset="0"/>
-              </a:rPr>
-              <a:t>GraphAPI</a:t>
-            </a:r>
-            <a:r>
-              <a:rPr lang="fr-FR" dirty="0" smtClean="0">
-                <a:latin typeface="Adobe Caslon Pro" panose="0205050205050A020403" pitchFamily="18" charset="0"/>
-              </a:rPr>
-              <a:t> , </a:t>
-            </a:r>
-            <a:r>
-              <a:rPr lang="fr-FR" dirty="0" err="1" smtClean="0">
-                <a:latin typeface="Adobe Caslon Pro" panose="0205050205050A020403" pitchFamily="18" charset="0"/>
-              </a:rPr>
-              <a:t>get</a:t>
-            </a:r>
-            <a:r>
-              <a:rPr lang="fr-FR" dirty="0" smtClean="0">
-                <a:latin typeface="Adobe Caslon Pro" panose="0205050205050A020403" pitchFamily="18" charset="0"/>
-              </a:rPr>
-              <a:t> </a:t>
-            </a:r>
-            <a:r>
-              <a:rPr lang="fr-FR" dirty="0" err="1" smtClean="0">
-                <a:latin typeface="Adobe Caslon Pro" panose="0205050205050A020403" pitchFamily="18" charset="0"/>
-              </a:rPr>
-              <a:t>name</a:t>
-            </a:r>
-            <a:r>
-              <a:rPr lang="fr-FR" dirty="0" smtClean="0">
-                <a:latin typeface="Adobe Caslon Pro" panose="0205050205050A020403" pitchFamily="18" charset="0"/>
-              </a:rPr>
-              <a:t> , profile </a:t>
-            </a:r>
-            <a:r>
-              <a:rPr lang="fr-FR" dirty="0" err="1" smtClean="0">
-                <a:latin typeface="Adobe Caslon Pro" panose="0205050205050A020403" pitchFamily="18" charset="0"/>
-              </a:rPr>
-              <a:t>picture</a:t>
-            </a:r>
-            <a:r>
-              <a:rPr lang="fr-FR" dirty="0" smtClean="0">
-                <a:latin typeface="Adobe Caslon Pro" panose="0205050205050A020403" pitchFamily="18" charset="0"/>
-              </a:rPr>
-              <a:t> and </a:t>
-            </a:r>
-            <a:r>
-              <a:rPr lang="fr-FR" dirty="0" err="1" smtClean="0">
-                <a:latin typeface="Adobe Caslon Pro" panose="0205050205050A020403" pitchFamily="18" charset="0"/>
-              </a:rPr>
-              <a:t>facebook</a:t>
-            </a:r>
-            <a:r>
-              <a:rPr lang="fr-FR" dirty="0" smtClean="0">
-                <a:latin typeface="Adobe Caslon Pro" panose="0205050205050A020403" pitchFamily="18" charset="0"/>
-              </a:rPr>
-              <a:t> </a:t>
-            </a:r>
-            <a:r>
-              <a:rPr lang="fr-FR" dirty="0" err="1" smtClean="0">
-                <a:latin typeface="Adobe Caslon Pro" panose="0205050205050A020403" pitchFamily="18" charset="0"/>
-              </a:rPr>
-              <a:t>token</a:t>
-            </a:r>
-            <a:endParaRPr lang="fr-FR" dirty="0" smtClean="0">
-              <a:latin typeface="Adobe Caslon Pro" panose="0205050205050A020403" pitchFamily="18" charset="0"/>
-            </a:endParaRPr>
-          </a:p>
-          <a:p>
-            <a:pPr marL="285750" indent="-285750">
-              <a:buFont typeface="Arial" panose="020B0604020202020204" pitchFamily="34" charset="0"/>
-              <a:buChar char="•"/>
-            </a:pPr>
-            <a:endParaRPr lang="fr-FR" dirty="0" smtClean="0">
-              <a:latin typeface="Adobe Caslon Pro" panose="0205050205050A020403" pitchFamily="18" charset="0"/>
-            </a:endParaRPr>
-          </a:p>
-          <a:p>
-            <a:pPr marL="285750" indent="-285750">
-              <a:buFont typeface="Arial" panose="020B0604020202020204" pitchFamily="34" charset="0"/>
-              <a:buChar char="•"/>
-            </a:pPr>
-            <a:r>
-              <a:rPr lang="fr-FR" dirty="0" err="1" smtClean="0">
-                <a:latin typeface="Adobe Caslon Pro" panose="0205050205050A020403" pitchFamily="18" charset="0"/>
-              </a:rPr>
-              <a:t>Send</a:t>
-            </a:r>
-            <a:r>
-              <a:rPr lang="fr-FR" dirty="0" smtClean="0">
-                <a:latin typeface="Adobe Caslon Pro" panose="0205050205050A020403" pitchFamily="18" charset="0"/>
-              </a:rPr>
-              <a:t> </a:t>
-            </a:r>
-            <a:r>
-              <a:rPr lang="fr-FR" dirty="0" err="1" smtClean="0">
-                <a:latin typeface="Adobe Caslon Pro" panose="0205050205050A020403" pitchFamily="18" charset="0"/>
-              </a:rPr>
-              <a:t>facebook</a:t>
-            </a:r>
-            <a:r>
-              <a:rPr lang="fr-FR" dirty="0" smtClean="0">
-                <a:latin typeface="Adobe Caslon Pro" panose="0205050205050A020403" pitchFamily="18" charset="0"/>
-              </a:rPr>
-              <a:t> </a:t>
-            </a:r>
-            <a:r>
-              <a:rPr lang="fr-FR" dirty="0" err="1" smtClean="0">
-                <a:latin typeface="Adobe Caslon Pro" panose="0205050205050A020403" pitchFamily="18" charset="0"/>
-              </a:rPr>
-              <a:t>token</a:t>
-            </a:r>
-            <a:r>
-              <a:rPr lang="fr-FR" dirty="0" smtClean="0">
-                <a:latin typeface="Adobe Caslon Pro" panose="0205050205050A020403" pitchFamily="18" charset="0"/>
-              </a:rPr>
-              <a:t> to server</a:t>
-            </a:r>
-          </a:p>
-          <a:p>
-            <a:pPr marL="285750" indent="-285750">
-              <a:buFont typeface="Arial" panose="020B0604020202020204" pitchFamily="34" charset="0"/>
-              <a:buChar char="•"/>
-            </a:pPr>
-            <a:endParaRPr lang="fr-FR" dirty="0" smtClean="0">
-              <a:latin typeface="Adobe Caslon Pro" panose="0205050205050A020403" pitchFamily="18" charset="0"/>
-            </a:endParaRPr>
-          </a:p>
-          <a:p>
-            <a:pPr marL="285750" indent="-285750">
-              <a:buFont typeface="Arial" panose="020B0604020202020204" pitchFamily="34" charset="0"/>
-              <a:buChar char="•"/>
-            </a:pPr>
-            <a:r>
-              <a:rPr lang="fr-FR" dirty="0" smtClean="0">
-                <a:latin typeface="Adobe Caslon Pro" panose="0205050205050A020403" pitchFamily="18" charset="0"/>
-              </a:rPr>
-              <a:t>Server </a:t>
-            </a:r>
-            <a:r>
-              <a:rPr lang="fr-FR" dirty="0" err="1" smtClean="0">
-                <a:latin typeface="Adobe Caslon Pro" panose="0205050205050A020403" pitchFamily="18" charset="0"/>
-              </a:rPr>
-              <a:t>verify</a:t>
-            </a:r>
-            <a:r>
-              <a:rPr lang="fr-FR" dirty="0" smtClean="0">
-                <a:latin typeface="Adobe Caslon Pro" panose="0205050205050A020403" pitchFamily="18" charset="0"/>
-              </a:rPr>
-              <a:t> </a:t>
-            </a:r>
-            <a:r>
-              <a:rPr lang="fr-FR" dirty="0" err="1" smtClean="0">
-                <a:latin typeface="Adobe Caslon Pro" panose="0205050205050A020403" pitchFamily="18" charset="0"/>
-              </a:rPr>
-              <a:t>token</a:t>
-            </a:r>
-            <a:r>
-              <a:rPr lang="fr-FR" dirty="0" smtClean="0">
-                <a:latin typeface="Adobe Caslon Pro" panose="0205050205050A020403" pitchFamily="18" charset="0"/>
-              </a:rPr>
-              <a:t> </a:t>
-            </a:r>
-            <a:r>
-              <a:rPr lang="fr-FR" dirty="0" err="1" smtClean="0">
-                <a:latin typeface="Adobe Caslon Pro" panose="0205050205050A020403" pitchFamily="18" charset="0"/>
-              </a:rPr>
-              <a:t>authenticity</a:t>
-            </a:r>
-            <a:r>
-              <a:rPr lang="fr-FR" dirty="0" smtClean="0">
-                <a:latin typeface="Adobe Caslon Pro" panose="0205050205050A020403" pitchFamily="18" charset="0"/>
-              </a:rPr>
-              <a:t>, </a:t>
-            </a:r>
-            <a:r>
-              <a:rPr lang="fr-FR" dirty="0" err="1" smtClean="0">
-                <a:latin typeface="Adobe Caslon Pro" panose="0205050205050A020403" pitchFamily="18" charset="0"/>
-              </a:rPr>
-              <a:t>get</a:t>
-            </a:r>
-            <a:r>
-              <a:rPr lang="fr-FR" dirty="0" smtClean="0">
-                <a:latin typeface="Adobe Caslon Pro" panose="0205050205050A020403" pitchFamily="18" charset="0"/>
-              </a:rPr>
-              <a:t> user </a:t>
-            </a:r>
-            <a:r>
-              <a:rPr lang="fr-FR" dirty="0" err="1" smtClean="0">
-                <a:latin typeface="Adobe Caslon Pro" panose="0205050205050A020403" pitchFamily="18" charset="0"/>
-              </a:rPr>
-              <a:t>details</a:t>
-            </a:r>
-            <a:r>
-              <a:rPr lang="fr-FR" dirty="0" smtClean="0">
-                <a:latin typeface="Adobe Caslon Pro" panose="0205050205050A020403" pitchFamily="18" charset="0"/>
-              </a:rPr>
-              <a:t> </a:t>
-            </a:r>
-            <a:r>
-              <a:rPr lang="fr-FR" dirty="0" err="1" smtClean="0">
-                <a:latin typeface="Adobe Caslon Pro" panose="0205050205050A020403" pitchFamily="18" charset="0"/>
-              </a:rPr>
-              <a:t>from</a:t>
-            </a:r>
-            <a:r>
-              <a:rPr lang="fr-FR" dirty="0" smtClean="0">
-                <a:latin typeface="Adobe Caslon Pro" panose="0205050205050A020403" pitchFamily="18" charset="0"/>
-              </a:rPr>
-              <a:t> Facebook, check if user </a:t>
-            </a:r>
-            <a:r>
-              <a:rPr lang="fr-FR" dirty="0" err="1" smtClean="0">
-                <a:latin typeface="Adobe Caslon Pro" panose="0205050205050A020403" pitchFamily="18" charset="0"/>
-              </a:rPr>
-              <a:t>already</a:t>
-            </a:r>
-            <a:r>
-              <a:rPr lang="fr-FR" dirty="0" smtClean="0">
-                <a:latin typeface="Adobe Caslon Pro" panose="0205050205050A020403" pitchFamily="18" charset="0"/>
-              </a:rPr>
-              <a:t> </a:t>
-            </a:r>
-            <a:r>
-              <a:rPr lang="fr-FR" dirty="0" err="1" smtClean="0">
-                <a:latin typeface="Adobe Caslon Pro" panose="0205050205050A020403" pitchFamily="18" charset="0"/>
-              </a:rPr>
-              <a:t>exist</a:t>
-            </a:r>
-            <a:r>
-              <a:rPr lang="fr-FR" dirty="0" smtClean="0">
-                <a:latin typeface="Adobe Caslon Pro" panose="0205050205050A020403" pitchFamily="18" charset="0"/>
-              </a:rPr>
-              <a:t> </a:t>
-            </a:r>
-            <a:r>
-              <a:rPr lang="fr-FR" dirty="0" err="1" smtClean="0">
-                <a:latin typeface="Adobe Caslon Pro" panose="0205050205050A020403" pitchFamily="18" charset="0"/>
-              </a:rPr>
-              <a:t>within</a:t>
-            </a:r>
-            <a:r>
-              <a:rPr lang="fr-FR" dirty="0" smtClean="0">
-                <a:latin typeface="Adobe Caslon Pro" panose="0205050205050A020403" pitchFamily="18" charset="0"/>
-              </a:rPr>
-              <a:t> the </a:t>
-            </a:r>
-            <a:r>
-              <a:rPr lang="fr-FR" dirty="0" err="1" smtClean="0">
-                <a:latin typeface="Adobe Caslon Pro" panose="0205050205050A020403" pitchFamily="18" charset="0"/>
-              </a:rPr>
-              <a:t>Database</a:t>
-            </a:r>
-            <a:r>
-              <a:rPr lang="fr-FR" dirty="0" smtClean="0">
-                <a:latin typeface="Adobe Caslon Pro" panose="0205050205050A020403" pitchFamily="18" charset="0"/>
-              </a:rPr>
-              <a:t> </a:t>
-            </a:r>
-            <a:r>
-              <a:rPr lang="fr-FR" dirty="0" err="1" smtClean="0">
-                <a:latin typeface="Adobe Caslon Pro" panose="0205050205050A020403" pitchFamily="18" charset="0"/>
-              </a:rPr>
-              <a:t>create</a:t>
-            </a:r>
-            <a:r>
-              <a:rPr lang="fr-FR" dirty="0" smtClean="0">
-                <a:latin typeface="Adobe Caslon Pro" panose="0205050205050A020403" pitchFamily="18" charset="0"/>
-              </a:rPr>
-              <a:t> user on the DB if not or update user </a:t>
-            </a:r>
-            <a:r>
-              <a:rPr lang="fr-FR" dirty="0" err="1" smtClean="0">
-                <a:latin typeface="Adobe Caslon Pro" panose="0205050205050A020403" pitchFamily="18" charset="0"/>
-              </a:rPr>
-              <a:t>details</a:t>
-            </a:r>
-            <a:endParaRPr lang="fr-FR" dirty="0" smtClean="0">
-              <a:latin typeface="Adobe Caslon Pro" panose="0205050205050A020403" pitchFamily="18" charset="0"/>
-            </a:endParaRPr>
-          </a:p>
-          <a:p>
-            <a:pPr marL="285750" indent="-285750">
-              <a:buFont typeface="Arial" panose="020B0604020202020204" pitchFamily="34" charset="0"/>
-              <a:buChar char="•"/>
-            </a:pPr>
-            <a:endParaRPr lang="fr-FR" dirty="0" smtClean="0">
-              <a:latin typeface="Adobe Caslon Pro" panose="0205050205050A020403" pitchFamily="18" charset="0"/>
-            </a:endParaRPr>
-          </a:p>
-          <a:p>
-            <a:pPr marL="285750" indent="-285750">
-              <a:buFont typeface="Arial" panose="020B0604020202020204" pitchFamily="34" charset="0"/>
-              <a:buChar char="•"/>
-            </a:pPr>
-            <a:r>
-              <a:rPr lang="fr-FR" dirty="0" smtClean="0">
-                <a:latin typeface="Adobe Caslon Pro" panose="0205050205050A020403" pitchFamily="18" charset="0"/>
-              </a:rPr>
-              <a:t>Server return server-</a:t>
-            </a:r>
-            <a:r>
-              <a:rPr lang="fr-FR" dirty="0" err="1" smtClean="0">
-                <a:latin typeface="Adobe Caslon Pro" panose="0205050205050A020403" pitchFamily="18" charset="0"/>
-              </a:rPr>
-              <a:t>token</a:t>
-            </a:r>
-            <a:r>
-              <a:rPr lang="fr-FR" dirty="0" smtClean="0">
-                <a:latin typeface="Adobe Caslon Pro" panose="0205050205050A020403" pitchFamily="18" charset="0"/>
-              </a:rPr>
-              <a:t> </a:t>
-            </a:r>
-            <a:r>
-              <a:rPr lang="fr-FR" dirty="0" err="1" smtClean="0">
-                <a:latin typeface="Adobe Caslon Pro" panose="0205050205050A020403" pitchFamily="18" charset="0"/>
-              </a:rPr>
-              <a:t>which</a:t>
-            </a:r>
-            <a:r>
-              <a:rPr lang="fr-FR" dirty="0" smtClean="0">
-                <a:latin typeface="Adobe Caslon Pro" panose="0205050205050A020403" pitchFamily="18" charset="0"/>
-              </a:rPr>
-              <a:t> </a:t>
-            </a:r>
-            <a:r>
-              <a:rPr lang="fr-FR" dirty="0" err="1" smtClean="0">
-                <a:latin typeface="Adobe Caslon Pro" panose="0205050205050A020403" pitchFamily="18" charset="0"/>
-              </a:rPr>
-              <a:t>is</a:t>
-            </a:r>
-            <a:r>
-              <a:rPr lang="fr-FR" dirty="0" smtClean="0">
-                <a:latin typeface="Adobe Caslon Pro" panose="0205050205050A020403" pitchFamily="18" charset="0"/>
-              </a:rPr>
-              <a:t> user key in the DB </a:t>
-            </a:r>
-            <a:endParaRPr lang="fr-FR" dirty="0">
-              <a:latin typeface="Adobe Caslon Pro" panose="0205050205050A020403" pitchFamily="18" charset="0"/>
-            </a:endParaRPr>
-          </a:p>
-        </p:txBody>
-      </p:sp>
     </p:spTree>
     <p:extLst>
       <p:ext uri="{BB962C8B-B14F-4D97-AF65-F5344CB8AC3E}">
-        <p14:creationId xmlns:p14="http://schemas.microsoft.com/office/powerpoint/2010/main" xmlns="" val="1694091876"/>
+        <p14:creationId xmlns:p14="http://schemas.microsoft.com/office/powerpoint/2010/main" val="2114442728"/>
       </p:ext>
     </p:extLst>
   </p:cSld>
   <p:clrMapOvr>
     <a:masterClrMapping/>
   </p:clrMapOvr>
-  <mc:AlternateContent xmlns:mc="http://schemas.openxmlformats.org/markup-compatibility/2006">
-    <mc:Choice xmlns:p14="http://schemas.microsoft.com/office/powerpoint/2010/main" xmlns="" Requires="p14">
-      <p:transition spd="med" p14:dur="700">
-        <p:fade/>
-      </p:transition>
-    </mc:Choice>
-    <mc:Fallback>
-      <p:transition spd="med">
-        <p:fade/>
-      </p:transition>
-    </mc:Fallback>
-  </mc:AlternateContent>
+  <p:transition spd="slow">
+    <p:wipe/>
+  </p:transition>
   <p:timing>
     <p:tnLst>
       <p:par>
@@ -4406,47 +4119,484 @@
             <p:ph type="title"/>
           </p:nvPr>
         </p:nvSpPr>
-        <p:spPr/>
+        <p:spPr>
+          <a:xfrm>
+            <a:off x="6898640" y="538480"/>
+            <a:ext cx="4653280" cy="1717040"/>
+          </a:xfrm>
+        </p:spPr>
         <p:txBody>
           <a:bodyPr/>
           <a:lstStyle/>
           <a:p>
-            <a:endParaRPr lang="fr-FR" dirty="0"/>
-          </a:p>
-        </p:txBody>
-      </p:sp>
-      <p:sp>
-        <p:nvSpPr>
-          <p:cNvPr id="3" name="Espace réservé du contenu 2"/>
-          <p:cNvSpPr>
-            <a:spLocks noGrp="1"/>
-          </p:cNvSpPr>
-          <p:nvPr>
-            <p:ph idx="1"/>
-          </p:nvPr>
-        </p:nvSpPr>
-        <p:spPr/>
-        <p:txBody>
-          <a:bodyPr/>
-          <a:lstStyle/>
-          <a:p>
-            <a:endParaRPr lang="fr-FR" dirty="0"/>
+            <a:r>
+              <a:rPr lang="fr-FR" dirty="0" smtClean="0">
+                <a:latin typeface="Adobe Ming Std L" panose="02020300000000000000" pitchFamily="18" charset="-128"/>
+                <a:ea typeface="Adobe Ming Std L" panose="02020300000000000000" pitchFamily="18" charset="-128"/>
+              </a:rPr>
+              <a:t>Login </a:t>
+            </a:r>
+            <a:r>
+              <a:rPr lang="fr-FR" dirty="0" err="1" smtClean="0">
+                <a:latin typeface="Adobe Ming Std L" panose="02020300000000000000" pitchFamily="18" charset="-128"/>
+                <a:ea typeface="Adobe Ming Std L" panose="02020300000000000000" pitchFamily="18" charset="-128"/>
+              </a:rPr>
+              <a:t>activity</a:t>
+            </a:r>
+            <a:endParaRPr lang="fr-FR" dirty="0">
+              <a:latin typeface="Adobe Ming Std L" panose="02020300000000000000" pitchFamily="18" charset="-128"/>
+              <a:ea typeface="Adobe Ming Std L" panose="02020300000000000000" pitchFamily="18" charset="-128"/>
+            </a:endParaRPr>
+          </a:p>
+        </p:txBody>
+      </p:sp>
+      <p:pic>
+        <p:nvPicPr>
+          <p:cNvPr id="4" name="Image 3"/>
+          <p:cNvPicPr>
+            <a:picLocks noChangeAspect="1"/>
+          </p:cNvPicPr>
+          <p:nvPr/>
+        </p:nvPicPr>
+        <p:blipFill>
+          <a:blip r:embed="rId2" cstate="print">
+            <a:extLst>
+              <a:ext uri="{28A0092B-C50C-407E-A947-70E740481C1C}">
+                <a14:useLocalDpi xmlns:a14="http://schemas.microsoft.com/office/drawing/2010/main" val="0"/>
+              </a:ext>
+            </a:extLst>
+          </a:blip>
+          <a:stretch>
+            <a:fillRect/>
+          </a:stretch>
+        </p:blipFill>
+        <p:spPr>
+          <a:xfrm>
+            <a:off x="0" y="0"/>
+            <a:ext cx="5151120" cy="6870972"/>
+          </a:xfrm>
+          <a:prstGeom prst="rect">
+            <a:avLst/>
+          </a:prstGeom>
+        </p:spPr>
+      </p:pic>
+      <p:sp>
+        <p:nvSpPr>
+          <p:cNvPr id="5" name="ZoneTexte 4"/>
+          <p:cNvSpPr txBox="1"/>
+          <p:nvPr/>
+        </p:nvSpPr>
+        <p:spPr>
+          <a:xfrm>
+            <a:off x="5567680" y="2255520"/>
+            <a:ext cx="5984240" cy="2862322"/>
+          </a:xfrm>
+          <a:prstGeom prst="rect">
+            <a:avLst/>
+          </a:prstGeom>
+          <a:noFill/>
+        </p:spPr>
+        <p:txBody>
+          <a:bodyPr wrap="square" rtlCol="0">
+            <a:spAutoFit/>
+          </a:bodyPr>
+          <a:lstStyle/>
+          <a:p>
+            <a:pPr marL="285750" indent="-285750">
+              <a:buFont typeface="Arial" panose="020B0604020202020204" pitchFamily="34" charset="0"/>
+              <a:buChar char="•"/>
+            </a:pPr>
+            <a:r>
+              <a:rPr lang="fr-FR" dirty="0" err="1" smtClean="0">
+                <a:latin typeface="Adobe Caslon Pro" panose="0205050205050A020403" pitchFamily="18" charset="0"/>
+              </a:rPr>
+              <a:t>Connect</a:t>
+            </a:r>
+            <a:r>
+              <a:rPr lang="fr-FR" dirty="0" smtClean="0">
+                <a:latin typeface="Adobe Caslon Pro" panose="0205050205050A020403" pitchFamily="18" charset="0"/>
+              </a:rPr>
+              <a:t> to Facebook </a:t>
+            </a:r>
+            <a:r>
+              <a:rPr lang="fr-FR" dirty="0" err="1" smtClean="0">
+                <a:latin typeface="Adobe Caslon Pro" panose="0205050205050A020403" pitchFamily="18" charset="0"/>
+              </a:rPr>
+              <a:t>with</a:t>
+            </a:r>
+            <a:r>
+              <a:rPr lang="fr-FR" dirty="0" smtClean="0">
+                <a:latin typeface="Adobe Caslon Pro" panose="0205050205050A020403" pitchFamily="18" charset="0"/>
+              </a:rPr>
+              <a:t> </a:t>
+            </a:r>
+            <a:r>
+              <a:rPr lang="fr-FR" dirty="0" err="1" smtClean="0">
+                <a:latin typeface="Adobe Caslon Pro" panose="0205050205050A020403" pitchFamily="18" charset="0"/>
+              </a:rPr>
+              <a:t>GraphAPI</a:t>
+            </a:r>
+            <a:r>
+              <a:rPr lang="fr-FR" dirty="0" smtClean="0">
+                <a:latin typeface="Adobe Caslon Pro" panose="0205050205050A020403" pitchFamily="18" charset="0"/>
+              </a:rPr>
+              <a:t> , </a:t>
+            </a:r>
+            <a:r>
+              <a:rPr lang="fr-FR" dirty="0" err="1" smtClean="0">
+                <a:latin typeface="Adobe Caslon Pro" panose="0205050205050A020403" pitchFamily="18" charset="0"/>
+              </a:rPr>
+              <a:t>get</a:t>
+            </a:r>
+            <a:r>
+              <a:rPr lang="fr-FR" dirty="0" smtClean="0">
+                <a:latin typeface="Adobe Caslon Pro" panose="0205050205050A020403" pitchFamily="18" charset="0"/>
+              </a:rPr>
+              <a:t> </a:t>
+            </a:r>
+            <a:r>
+              <a:rPr lang="fr-FR" dirty="0" err="1" smtClean="0">
+                <a:latin typeface="Adobe Caslon Pro" panose="0205050205050A020403" pitchFamily="18" charset="0"/>
+              </a:rPr>
+              <a:t>name</a:t>
+            </a:r>
+            <a:r>
+              <a:rPr lang="fr-FR" dirty="0" smtClean="0">
+                <a:latin typeface="Adobe Caslon Pro" panose="0205050205050A020403" pitchFamily="18" charset="0"/>
+              </a:rPr>
+              <a:t> , profile </a:t>
+            </a:r>
+            <a:r>
+              <a:rPr lang="fr-FR" dirty="0" err="1" smtClean="0">
+                <a:latin typeface="Adobe Caslon Pro" panose="0205050205050A020403" pitchFamily="18" charset="0"/>
+              </a:rPr>
+              <a:t>picture</a:t>
+            </a:r>
+            <a:r>
+              <a:rPr lang="fr-FR" dirty="0" smtClean="0">
+                <a:latin typeface="Adobe Caslon Pro" panose="0205050205050A020403" pitchFamily="18" charset="0"/>
+              </a:rPr>
+              <a:t> and </a:t>
+            </a:r>
+            <a:r>
+              <a:rPr lang="fr-FR" dirty="0" err="1" smtClean="0">
+                <a:latin typeface="Adobe Caslon Pro" panose="0205050205050A020403" pitchFamily="18" charset="0"/>
+              </a:rPr>
+              <a:t>facebook</a:t>
+            </a:r>
+            <a:r>
+              <a:rPr lang="fr-FR" dirty="0" smtClean="0">
+                <a:latin typeface="Adobe Caslon Pro" panose="0205050205050A020403" pitchFamily="18" charset="0"/>
+              </a:rPr>
+              <a:t> </a:t>
+            </a:r>
+            <a:r>
+              <a:rPr lang="fr-FR" dirty="0" err="1" smtClean="0">
+                <a:latin typeface="Adobe Caslon Pro" panose="0205050205050A020403" pitchFamily="18" charset="0"/>
+              </a:rPr>
+              <a:t>token</a:t>
+            </a:r>
+            <a:endParaRPr lang="fr-FR" dirty="0" smtClean="0">
+              <a:latin typeface="Adobe Caslon Pro" panose="0205050205050A020403" pitchFamily="18" charset="0"/>
+            </a:endParaRPr>
+          </a:p>
+          <a:p>
+            <a:pPr marL="285750" indent="-285750">
+              <a:buFont typeface="Arial" panose="020B0604020202020204" pitchFamily="34" charset="0"/>
+              <a:buChar char="•"/>
+            </a:pPr>
+            <a:endParaRPr lang="fr-FR" dirty="0" smtClean="0">
+              <a:latin typeface="Adobe Caslon Pro" panose="0205050205050A020403" pitchFamily="18" charset="0"/>
+            </a:endParaRPr>
+          </a:p>
+          <a:p>
+            <a:pPr marL="285750" indent="-285750">
+              <a:buFont typeface="Arial" panose="020B0604020202020204" pitchFamily="34" charset="0"/>
+              <a:buChar char="•"/>
+            </a:pPr>
+            <a:r>
+              <a:rPr lang="fr-FR" dirty="0" err="1" smtClean="0">
+                <a:latin typeface="Adobe Caslon Pro" panose="0205050205050A020403" pitchFamily="18" charset="0"/>
+              </a:rPr>
+              <a:t>Send</a:t>
+            </a:r>
+            <a:r>
+              <a:rPr lang="fr-FR" dirty="0" smtClean="0">
+                <a:latin typeface="Adobe Caslon Pro" panose="0205050205050A020403" pitchFamily="18" charset="0"/>
+              </a:rPr>
+              <a:t> </a:t>
+            </a:r>
+            <a:r>
+              <a:rPr lang="fr-FR" dirty="0" err="1" smtClean="0">
+                <a:latin typeface="Adobe Caslon Pro" panose="0205050205050A020403" pitchFamily="18" charset="0"/>
+              </a:rPr>
+              <a:t>facebook</a:t>
+            </a:r>
+            <a:r>
+              <a:rPr lang="fr-FR" dirty="0" smtClean="0">
+                <a:latin typeface="Adobe Caslon Pro" panose="0205050205050A020403" pitchFamily="18" charset="0"/>
+              </a:rPr>
+              <a:t> </a:t>
+            </a:r>
+            <a:r>
+              <a:rPr lang="fr-FR" dirty="0" err="1" smtClean="0">
+                <a:latin typeface="Adobe Caslon Pro" panose="0205050205050A020403" pitchFamily="18" charset="0"/>
+              </a:rPr>
+              <a:t>token</a:t>
+            </a:r>
+            <a:r>
+              <a:rPr lang="fr-FR" dirty="0" smtClean="0">
+                <a:latin typeface="Adobe Caslon Pro" panose="0205050205050A020403" pitchFamily="18" charset="0"/>
+              </a:rPr>
+              <a:t> to server</a:t>
+            </a:r>
+          </a:p>
+          <a:p>
+            <a:pPr marL="285750" indent="-285750">
+              <a:buFont typeface="Arial" panose="020B0604020202020204" pitchFamily="34" charset="0"/>
+              <a:buChar char="•"/>
+            </a:pPr>
+            <a:endParaRPr lang="fr-FR" dirty="0" smtClean="0">
+              <a:latin typeface="Adobe Caslon Pro" panose="0205050205050A020403" pitchFamily="18" charset="0"/>
+            </a:endParaRPr>
+          </a:p>
+          <a:p>
+            <a:pPr marL="285750" indent="-285750">
+              <a:buFont typeface="Arial" panose="020B0604020202020204" pitchFamily="34" charset="0"/>
+              <a:buChar char="•"/>
+            </a:pPr>
+            <a:r>
+              <a:rPr lang="fr-FR" dirty="0" smtClean="0">
+                <a:latin typeface="Adobe Caslon Pro" panose="0205050205050A020403" pitchFamily="18" charset="0"/>
+              </a:rPr>
+              <a:t>Server </a:t>
+            </a:r>
+            <a:r>
+              <a:rPr lang="fr-FR" dirty="0" err="1" smtClean="0">
+                <a:latin typeface="Adobe Caslon Pro" panose="0205050205050A020403" pitchFamily="18" charset="0"/>
+              </a:rPr>
+              <a:t>verify</a:t>
+            </a:r>
+            <a:r>
+              <a:rPr lang="fr-FR" dirty="0" smtClean="0">
+                <a:latin typeface="Adobe Caslon Pro" panose="0205050205050A020403" pitchFamily="18" charset="0"/>
+              </a:rPr>
+              <a:t> </a:t>
+            </a:r>
+            <a:r>
+              <a:rPr lang="fr-FR" dirty="0" err="1" smtClean="0">
+                <a:latin typeface="Adobe Caslon Pro" panose="0205050205050A020403" pitchFamily="18" charset="0"/>
+              </a:rPr>
+              <a:t>token</a:t>
+            </a:r>
+            <a:r>
+              <a:rPr lang="fr-FR" dirty="0" smtClean="0">
+                <a:latin typeface="Adobe Caslon Pro" panose="0205050205050A020403" pitchFamily="18" charset="0"/>
+              </a:rPr>
+              <a:t> </a:t>
+            </a:r>
+            <a:r>
+              <a:rPr lang="fr-FR" dirty="0" err="1" smtClean="0">
+                <a:latin typeface="Adobe Caslon Pro" panose="0205050205050A020403" pitchFamily="18" charset="0"/>
+              </a:rPr>
+              <a:t>authenticity</a:t>
+            </a:r>
+            <a:r>
+              <a:rPr lang="fr-FR" dirty="0" smtClean="0">
+                <a:latin typeface="Adobe Caslon Pro" panose="0205050205050A020403" pitchFamily="18" charset="0"/>
+              </a:rPr>
+              <a:t>, </a:t>
+            </a:r>
+            <a:r>
+              <a:rPr lang="fr-FR" dirty="0" err="1" smtClean="0">
+                <a:latin typeface="Adobe Caslon Pro" panose="0205050205050A020403" pitchFamily="18" charset="0"/>
+              </a:rPr>
+              <a:t>get</a:t>
+            </a:r>
+            <a:r>
+              <a:rPr lang="fr-FR" dirty="0" smtClean="0">
+                <a:latin typeface="Adobe Caslon Pro" panose="0205050205050A020403" pitchFamily="18" charset="0"/>
+              </a:rPr>
+              <a:t> user </a:t>
+            </a:r>
+            <a:r>
+              <a:rPr lang="fr-FR" dirty="0" err="1" smtClean="0">
+                <a:latin typeface="Adobe Caslon Pro" panose="0205050205050A020403" pitchFamily="18" charset="0"/>
+              </a:rPr>
+              <a:t>details</a:t>
+            </a:r>
+            <a:r>
+              <a:rPr lang="fr-FR" dirty="0" smtClean="0">
+                <a:latin typeface="Adobe Caslon Pro" panose="0205050205050A020403" pitchFamily="18" charset="0"/>
+              </a:rPr>
+              <a:t> </a:t>
+            </a:r>
+            <a:r>
+              <a:rPr lang="fr-FR" dirty="0" err="1" smtClean="0">
+                <a:latin typeface="Adobe Caslon Pro" panose="0205050205050A020403" pitchFamily="18" charset="0"/>
+              </a:rPr>
+              <a:t>from</a:t>
+            </a:r>
+            <a:r>
+              <a:rPr lang="fr-FR" dirty="0" smtClean="0">
+                <a:latin typeface="Adobe Caslon Pro" panose="0205050205050A020403" pitchFamily="18" charset="0"/>
+              </a:rPr>
+              <a:t> Facebook, check if user </a:t>
+            </a:r>
+            <a:r>
+              <a:rPr lang="fr-FR" dirty="0" err="1" smtClean="0">
+                <a:latin typeface="Adobe Caslon Pro" panose="0205050205050A020403" pitchFamily="18" charset="0"/>
+              </a:rPr>
+              <a:t>already</a:t>
+            </a:r>
+            <a:r>
+              <a:rPr lang="fr-FR" dirty="0" smtClean="0">
+                <a:latin typeface="Adobe Caslon Pro" panose="0205050205050A020403" pitchFamily="18" charset="0"/>
+              </a:rPr>
+              <a:t> </a:t>
+            </a:r>
+            <a:r>
+              <a:rPr lang="fr-FR" dirty="0" err="1" smtClean="0">
+                <a:latin typeface="Adobe Caslon Pro" panose="0205050205050A020403" pitchFamily="18" charset="0"/>
+              </a:rPr>
+              <a:t>exist</a:t>
+            </a:r>
+            <a:r>
+              <a:rPr lang="fr-FR" dirty="0" smtClean="0">
+                <a:latin typeface="Adobe Caslon Pro" panose="0205050205050A020403" pitchFamily="18" charset="0"/>
+              </a:rPr>
+              <a:t> </a:t>
+            </a:r>
+            <a:r>
+              <a:rPr lang="fr-FR" dirty="0" err="1" smtClean="0">
+                <a:latin typeface="Adobe Caslon Pro" panose="0205050205050A020403" pitchFamily="18" charset="0"/>
+              </a:rPr>
+              <a:t>within</a:t>
+            </a:r>
+            <a:r>
+              <a:rPr lang="fr-FR" dirty="0" smtClean="0">
+                <a:latin typeface="Adobe Caslon Pro" panose="0205050205050A020403" pitchFamily="18" charset="0"/>
+              </a:rPr>
+              <a:t> the </a:t>
+            </a:r>
+            <a:r>
+              <a:rPr lang="fr-FR" dirty="0" err="1" smtClean="0">
+                <a:latin typeface="Adobe Caslon Pro" panose="0205050205050A020403" pitchFamily="18" charset="0"/>
+              </a:rPr>
+              <a:t>Database</a:t>
+            </a:r>
+            <a:r>
+              <a:rPr lang="fr-FR" dirty="0" smtClean="0">
+                <a:latin typeface="Adobe Caslon Pro" panose="0205050205050A020403" pitchFamily="18" charset="0"/>
+              </a:rPr>
+              <a:t> </a:t>
+            </a:r>
+            <a:r>
+              <a:rPr lang="fr-FR" dirty="0" err="1" smtClean="0">
+                <a:latin typeface="Adobe Caslon Pro" panose="0205050205050A020403" pitchFamily="18" charset="0"/>
+              </a:rPr>
+              <a:t>create</a:t>
+            </a:r>
+            <a:r>
+              <a:rPr lang="fr-FR" dirty="0" smtClean="0">
+                <a:latin typeface="Adobe Caslon Pro" panose="0205050205050A020403" pitchFamily="18" charset="0"/>
+              </a:rPr>
+              <a:t> user on the DB if not or update user </a:t>
+            </a:r>
+            <a:r>
+              <a:rPr lang="fr-FR" dirty="0" err="1" smtClean="0">
+                <a:latin typeface="Adobe Caslon Pro" panose="0205050205050A020403" pitchFamily="18" charset="0"/>
+              </a:rPr>
+              <a:t>details</a:t>
+            </a:r>
+            <a:endParaRPr lang="fr-FR" dirty="0" smtClean="0">
+              <a:latin typeface="Adobe Caslon Pro" panose="0205050205050A020403" pitchFamily="18" charset="0"/>
+            </a:endParaRPr>
+          </a:p>
+          <a:p>
+            <a:pPr marL="285750" indent="-285750">
+              <a:buFont typeface="Arial" panose="020B0604020202020204" pitchFamily="34" charset="0"/>
+              <a:buChar char="•"/>
+            </a:pPr>
+            <a:endParaRPr lang="fr-FR" dirty="0" smtClean="0">
+              <a:latin typeface="Adobe Caslon Pro" panose="0205050205050A020403" pitchFamily="18" charset="0"/>
+            </a:endParaRPr>
+          </a:p>
+          <a:p>
+            <a:pPr marL="285750" indent="-285750">
+              <a:buFont typeface="Arial" panose="020B0604020202020204" pitchFamily="34" charset="0"/>
+              <a:buChar char="•"/>
+            </a:pPr>
+            <a:r>
+              <a:rPr lang="fr-FR" dirty="0" smtClean="0">
+                <a:latin typeface="Adobe Caslon Pro" panose="0205050205050A020403" pitchFamily="18" charset="0"/>
+              </a:rPr>
+              <a:t>Server return server-</a:t>
+            </a:r>
+            <a:r>
+              <a:rPr lang="fr-FR" dirty="0" err="1" smtClean="0">
+                <a:latin typeface="Adobe Caslon Pro" panose="0205050205050A020403" pitchFamily="18" charset="0"/>
+              </a:rPr>
+              <a:t>token</a:t>
+            </a:r>
+            <a:r>
+              <a:rPr lang="fr-FR" dirty="0" smtClean="0">
+                <a:latin typeface="Adobe Caslon Pro" panose="0205050205050A020403" pitchFamily="18" charset="0"/>
+              </a:rPr>
+              <a:t> </a:t>
+            </a:r>
+            <a:r>
+              <a:rPr lang="fr-FR" dirty="0" err="1" smtClean="0">
+                <a:latin typeface="Adobe Caslon Pro" panose="0205050205050A020403" pitchFamily="18" charset="0"/>
+              </a:rPr>
+              <a:t>which</a:t>
+            </a:r>
+            <a:r>
+              <a:rPr lang="fr-FR" dirty="0" smtClean="0">
+                <a:latin typeface="Adobe Caslon Pro" panose="0205050205050A020403" pitchFamily="18" charset="0"/>
+              </a:rPr>
+              <a:t> </a:t>
+            </a:r>
+            <a:r>
+              <a:rPr lang="fr-FR" dirty="0" err="1" smtClean="0">
+                <a:latin typeface="Adobe Caslon Pro" panose="0205050205050A020403" pitchFamily="18" charset="0"/>
+              </a:rPr>
+              <a:t>is</a:t>
+            </a:r>
+            <a:r>
+              <a:rPr lang="fr-FR" dirty="0" smtClean="0">
+                <a:latin typeface="Adobe Caslon Pro" panose="0205050205050A020403" pitchFamily="18" charset="0"/>
+              </a:rPr>
+              <a:t> user key in the DB </a:t>
+            </a:r>
+            <a:endParaRPr lang="fr-FR" dirty="0">
+              <a:latin typeface="Adobe Caslon Pro" panose="0205050205050A020403" pitchFamily="18" charset="0"/>
+            </a:endParaRPr>
           </a:p>
         </p:txBody>
       </p:sp>
     </p:spTree>
     <p:extLst>
       <p:ext uri="{BB962C8B-B14F-4D97-AF65-F5344CB8AC3E}">
-        <p14:creationId xmlns:p14="http://schemas.microsoft.com/office/powerpoint/2010/main" xmlns="" val="2114442728"/>
+        <p14:creationId xmlns:p14="http://schemas.microsoft.com/office/powerpoint/2010/main" val="1694091876"/>
       </p:ext>
     </p:extLst>
   </p:cSld>
   <p:clrMapOvr>
     <a:masterClrMapping/>
   </p:clrMapOvr>
-  <p:transition spd="slow">
-    <p:wipe/>
-  </p:transition>
+  <mc:AlternateContent xmlns:mc="http://schemas.openxmlformats.org/markup-compatibility/2006" xmlns:p14="http://schemas.microsoft.com/office/powerpoint/2010/main">
+    <mc:Choice Requires="p14">
+      <p:transition spd="med" p14:dur="700">
+        <p:fade/>
+      </p:transition>
+    </mc:Choice>
+    <mc:Fallback xmlns="">
+      <p:transition spd="med">
+        <p:fade/>
+      </p:transition>
+    </mc:Fallback>
+  </mc:AlternateContent>
   <p:timing>
     <p:tnLst>
       <p:par>
@@ -4454,6 +4604,709 @@
       </p:par>
     </p:tnLst>
   </p:timing>
+</p:sld>
+</file>
+
+<file path=ppt/slides/slide6.xml><?xml version="1.0" encoding="utf-8"?>
+<p:sld xmlns:a="http://schemas.openxmlformats.org/drawingml/2006/main" xmlns:r="http://schemas.openxmlformats.org/officeDocument/2006/relationships" xmlns:p="http://schemas.openxmlformats.org/presentationml/2006/main">
+  <p:cSld>
+    <p:spTree>
+      <p:nvGrpSpPr>
+        <p:cNvPr id="1" name=""/>
+        <p:cNvGrpSpPr/>
+        <p:nvPr/>
+      </p:nvGrpSpPr>
+      <p:grpSpPr>
+        <a:xfrm>
+          <a:off x="0" y="0"/>
+          <a:ext cx="0" cy="0"/>
+          <a:chOff x="0" y="0"/>
+          <a:chExt cx="0" cy="0"/>
+        </a:xfrm>
+      </p:grpSpPr>
+      <p:sp>
+        <p:nvSpPr>
+          <p:cNvPr id="2" name="Titre 1"/>
+          <p:cNvSpPr>
+            <a:spLocks noGrp="1"/>
+          </p:cNvSpPr>
+          <p:nvPr>
+            <p:ph type="title"/>
+          </p:nvPr>
+        </p:nvSpPr>
+        <p:spPr>
+          <a:xfrm>
+            <a:off x="6165908" y="563589"/>
+            <a:ext cx="10515600" cy="1325563"/>
+          </a:xfrm>
+        </p:spPr>
+        <p:txBody>
+          <a:bodyPr>
+            <a:normAutofit fontScale="90000"/>
+          </a:bodyPr>
+          <a:lstStyle/>
+          <a:p>
+            <a:r>
+              <a:rPr lang="fr-FR" dirty="0" smtClean="0">
+                <a:latin typeface="Adobe Myungjo Std M" panose="02020600000000000000" pitchFamily="18" charset="-128"/>
+                <a:ea typeface="Adobe Myungjo Std M" panose="02020600000000000000" pitchFamily="18" charset="-128"/>
+              </a:rPr>
+              <a:t>Main </a:t>
+            </a:r>
+            <a:r>
+              <a:rPr lang="fr-FR" dirty="0" err="1" smtClean="0">
+                <a:latin typeface="Adobe Myungjo Std M" panose="02020600000000000000" pitchFamily="18" charset="-128"/>
+                <a:ea typeface="Adobe Myungjo Std M" panose="02020600000000000000" pitchFamily="18" charset="-128"/>
+              </a:rPr>
+              <a:t>Activity</a:t>
+            </a:r>
+            <a:r>
+              <a:rPr lang="fr-FR" dirty="0" smtClean="0"/>
+              <a:t/>
+            </a:r>
+            <a:br>
+              <a:rPr lang="fr-FR" dirty="0" smtClean="0"/>
+            </a:br>
+            <a:r>
+              <a:rPr lang="fr-FR" dirty="0" smtClean="0"/>
+              <a:t/>
+            </a:r>
+            <a:br>
+              <a:rPr lang="fr-FR" dirty="0" smtClean="0"/>
+            </a:br>
+            <a:endParaRPr lang="fr-FR" dirty="0"/>
+          </a:p>
+        </p:txBody>
+      </p:sp>
+      <p:pic>
+        <p:nvPicPr>
+          <p:cNvPr id="4" name="Espace réservé du contenu 3"/>
+          <p:cNvPicPr>
+            <a:picLocks noGrp="1" noChangeAspect="1"/>
+          </p:cNvPicPr>
+          <p:nvPr>
+            <p:ph idx="1"/>
+          </p:nvPr>
+        </p:nvPicPr>
+        <p:blipFill>
+          <a:blip r:embed="rId2">
+            <a:extLst>
+              <a:ext uri="{28A0092B-C50C-407E-A947-70E740481C1C}">
+                <a14:useLocalDpi xmlns:a14="http://schemas.microsoft.com/office/drawing/2010/main" val="0"/>
+              </a:ext>
+            </a:extLst>
+          </a:blip>
+          <a:stretch>
+            <a:fillRect/>
+          </a:stretch>
+        </p:blipFill>
+        <p:spPr>
+          <a:xfrm>
+            <a:off x="0" y="0"/>
+            <a:ext cx="5141504" cy="6858000"/>
+          </a:xfrm>
+        </p:spPr>
+      </p:pic>
+      <p:sp>
+        <p:nvSpPr>
+          <p:cNvPr id="5" name="ZoneTexte 4"/>
+          <p:cNvSpPr txBox="1"/>
+          <p:nvPr/>
+        </p:nvSpPr>
+        <p:spPr>
+          <a:xfrm>
+            <a:off x="6165907" y="2031714"/>
+            <a:ext cx="5780015" cy="2062103"/>
+          </a:xfrm>
+          <a:prstGeom prst="rect">
+            <a:avLst/>
+          </a:prstGeom>
+          <a:noFill/>
+        </p:spPr>
+        <p:txBody>
+          <a:bodyPr wrap="square" rtlCol="0">
+            <a:spAutoFit/>
+          </a:bodyPr>
+          <a:lstStyle/>
+          <a:p>
+            <a:pPr marL="285750" indent="-285750">
+              <a:buFont typeface="Arial" panose="020B0604020202020204" pitchFamily="34" charset="0"/>
+              <a:buChar char="•"/>
+            </a:pPr>
+            <a:r>
+              <a:rPr lang="fr-FR" sz="3200" dirty="0" err="1" smtClean="0"/>
+              <a:t>Widget</a:t>
+            </a:r>
+            <a:r>
+              <a:rPr lang="fr-FR" sz="3200" dirty="0" smtClean="0"/>
+              <a:t> </a:t>
+            </a:r>
+            <a:r>
+              <a:rPr lang="fr-FR" sz="3200" dirty="0" err="1" smtClean="0"/>
+              <a:t>toolbar</a:t>
+            </a:r>
+            <a:endParaRPr lang="fr-FR" sz="3200" dirty="0" smtClean="0"/>
+          </a:p>
+          <a:p>
+            <a:pPr marL="285750" indent="-285750">
+              <a:buFont typeface="Arial" panose="020B0604020202020204" pitchFamily="34" charset="0"/>
+              <a:buChar char="•"/>
+            </a:pPr>
+            <a:r>
+              <a:rPr lang="fr-FR" sz="3200" dirty="0" err="1" smtClean="0"/>
+              <a:t>DrawerLayout</a:t>
+            </a:r>
+            <a:r>
+              <a:rPr lang="fr-FR" sz="3200" dirty="0" smtClean="0"/>
+              <a:t> </a:t>
+            </a:r>
+            <a:r>
+              <a:rPr lang="fr-FR" sz="3200" dirty="0" err="1" smtClean="0"/>
+              <a:t>Synchonized</a:t>
+            </a:r>
+            <a:endParaRPr lang="fr-FR" sz="3200" dirty="0" smtClean="0"/>
+          </a:p>
+          <a:p>
+            <a:pPr marL="285750" indent="-285750">
+              <a:buFont typeface="Arial" panose="020B0604020202020204" pitchFamily="34" charset="0"/>
+              <a:buChar char="•"/>
+            </a:pPr>
+            <a:r>
+              <a:rPr lang="fr-FR" sz="3200" dirty="0" smtClean="0"/>
+              <a:t>Fragments</a:t>
+            </a:r>
+          </a:p>
+          <a:p>
+            <a:pPr marL="285750" indent="-285750">
+              <a:buFont typeface="Arial" panose="020B0604020202020204" pitchFamily="34" charset="0"/>
+              <a:buChar char="•"/>
+            </a:pPr>
+            <a:r>
+              <a:rPr lang="fr-FR" sz="3200" dirty="0" err="1" smtClean="0"/>
+              <a:t>Bottom</a:t>
+            </a:r>
+            <a:r>
+              <a:rPr lang="fr-FR" sz="3200" dirty="0" smtClean="0"/>
+              <a:t> menu (</a:t>
+            </a:r>
+            <a:r>
+              <a:rPr lang="fr-FR" sz="3200" dirty="0" err="1" smtClean="0"/>
+              <a:t>still</a:t>
+            </a:r>
+            <a:r>
+              <a:rPr lang="fr-FR" sz="3200" dirty="0" smtClean="0"/>
+              <a:t> in </a:t>
+            </a:r>
+            <a:r>
+              <a:rPr lang="fr-FR" sz="3200" dirty="0" err="1" smtClean="0"/>
+              <a:t>dev</a:t>
+            </a:r>
+            <a:r>
+              <a:rPr lang="fr-FR" sz="3200" dirty="0" smtClean="0"/>
+              <a:t>.)</a:t>
+            </a:r>
+            <a:endParaRPr lang="fr-FR" sz="3200" dirty="0"/>
+          </a:p>
+        </p:txBody>
+      </p:sp>
+    </p:spTree>
+    <p:extLst>
+      <p:ext uri="{BB962C8B-B14F-4D97-AF65-F5344CB8AC3E}">
+        <p14:creationId xmlns:p14="http://schemas.microsoft.com/office/powerpoint/2010/main" val="1879730051"/>
+      </p:ext>
+    </p:extLst>
+  </p:cSld>
+  <p:clrMapOvr>
+    <a:masterClrMapping/>
+  </p:clrMapOvr>
+</p:sld>
+</file>
+
+<file path=ppt/slides/slide7.xml><?xml version="1.0" encoding="utf-8"?>
+<p:sld xmlns:a="http://schemas.openxmlformats.org/drawingml/2006/main" xmlns:r="http://schemas.openxmlformats.org/officeDocument/2006/relationships" xmlns:p="http://schemas.openxmlformats.org/presentationml/2006/main">
+  <p:cSld>
+    <p:spTree>
+      <p:nvGrpSpPr>
+        <p:cNvPr id="1" name=""/>
+        <p:cNvGrpSpPr/>
+        <p:nvPr/>
+      </p:nvGrpSpPr>
+      <p:grpSpPr>
+        <a:xfrm>
+          <a:off x="0" y="0"/>
+          <a:ext cx="0" cy="0"/>
+          <a:chOff x="0" y="0"/>
+          <a:chExt cx="0" cy="0"/>
+        </a:xfrm>
+      </p:grpSpPr>
+      <p:sp>
+        <p:nvSpPr>
+          <p:cNvPr id="2" name="Titre 1"/>
+          <p:cNvSpPr>
+            <a:spLocks noGrp="1"/>
+          </p:cNvSpPr>
+          <p:nvPr>
+            <p:ph type="title"/>
+          </p:nvPr>
+        </p:nvSpPr>
+        <p:spPr>
+          <a:xfrm>
+            <a:off x="7690343" y="1149231"/>
+            <a:ext cx="10515600" cy="1325563"/>
+          </a:xfrm>
+        </p:spPr>
+        <p:txBody>
+          <a:bodyPr/>
+          <a:lstStyle/>
+          <a:p>
+            <a:r>
+              <a:rPr lang="fr-FR" dirty="0" err="1" smtClean="0"/>
+              <a:t>Map</a:t>
+            </a:r>
+            <a:endParaRPr lang="fr-FR" dirty="0"/>
+          </a:p>
+        </p:txBody>
+      </p:sp>
+      <p:pic>
+        <p:nvPicPr>
+          <p:cNvPr id="4" name="Espace réservé du contenu 3"/>
+          <p:cNvPicPr>
+            <a:picLocks noGrp="1" noChangeAspect="1"/>
+          </p:cNvPicPr>
+          <p:nvPr>
+            <p:ph idx="1"/>
+          </p:nvPr>
+        </p:nvPicPr>
+        <p:blipFill>
+          <a:blip r:embed="rId2">
+            <a:extLst>
+              <a:ext uri="{28A0092B-C50C-407E-A947-70E740481C1C}">
+                <a14:useLocalDpi xmlns:a14="http://schemas.microsoft.com/office/drawing/2010/main" val="0"/>
+              </a:ext>
+            </a:extLst>
+          </a:blip>
+          <a:stretch>
+            <a:fillRect/>
+          </a:stretch>
+        </p:blipFill>
+        <p:spPr>
+          <a:xfrm>
+            <a:off x="0" y="0"/>
+            <a:ext cx="5134062" cy="6848074"/>
+          </a:xfrm>
+        </p:spPr>
+      </p:pic>
+      <p:sp>
+        <p:nvSpPr>
+          <p:cNvPr id="5" name="ZoneTexte 4"/>
+          <p:cNvSpPr txBox="1"/>
+          <p:nvPr/>
+        </p:nvSpPr>
+        <p:spPr>
+          <a:xfrm>
+            <a:off x="6493079" y="2843869"/>
+            <a:ext cx="5377343" cy="1200329"/>
+          </a:xfrm>
+          <a:prstGeom prst="rect">
+            <a:avLst/>
+          </a:prstGeom>
+          <a:noFill/>
+        </p:spPr>
+        <p:txBody>
+          <a:bodyPr wrap="square" rtlCol="0">
+            <a:spAutoFit/>
+          </a:bodyPr>
+          <a:lstStyle/>
+          <a:p>
+            <a:pPr marL="285750" indent="-285750">
+              <a:buFont typeface="Arial" panose="020B0604020202020204" pitchFamily="34" charset="0"/>
+              <a:buChar char="•"/>
+            </a:pPr>
+            <a:r>
+              <a:rPr lang="fr-FR" dirty="0" smtClean="0"/>
+              <a:t>Google </a:t>
+            </a:r>
+            <a:r>
+              <a:rPr lang="fr-FR" dirty="0" err="1" smtClean="0"/>
+              <a:t>Map</a:t>
+            </a:r>
+            <a:r>
+              <a:rPr lang="fr-FR" dirty="0" smtClean="0"/>
+              <a:t> </a:t>
+            </a:r>
+            <a:r>
+              <a:rPr lang="fr-FR" dirty="0" err="1" smtClean="0"/>
+              <a:t>inside</a:t>
+            </a:r>
+            <a:r>
+              <a:rPr lang="fr-FR" dirty="0" smtClean="0"/>
+              <a:t> fragment (</a:t>
+            </a:r>
+            <a:r>
+              <a:rPr lang="fr-FR" dirty="0" err="1" smtClean="0"/>
+              <a:t>Painful</a:t>
+            </a:r>
+            <a:r>
+              <a:rPr lang="fr-FR" dirty="0" smtClean="0"/>
+              <a:t>)</a:t>
+            </a:r>
+          </a:p>
+          <a:p>
+            <a:pPr marL="285750" indent="-285750">
+              <a:buFont typeface="Arial" panose="020B0604020202020204" pitchFamily="34" charset="0"/>
+              <a:buChar char="•"/>
+            </a:pPr>
+            <a:r>
+              <a:rPr lang="fr-FR" dirty="0" err="1" smtClean="0"/>
+              <a:t>Customized</a:t>
+            </a:r>
+            <a:r>
+              <a:rPr lang="fr-FR" dirty="0" smtClean="0"/>
+              <a:t> markers </a:t>
+            </a:r>
+            <a:r>
+              <a:rPr lang="fr-FR" dirty="0" err="1" smtClean="0"/>
+              <a:t>dynamically</a:t>
+            </a:r>
+            <a:r>
+              <a:rPr lang="fr-FR" dirty="0" smtClean="0"/>
+              <a:t> </a:t>
+            </a:r>
+            <a:r>
+              <a:rPr lang="fr-FR" dirty="0" err="1" smtClean="0"/>
+              <a:t>generated</a:t>
+            </a:r>
+            <a:endParaRPr lang="fr-FR" dirty="0" smtClean="0"/>
+          </a:p>
+          <a:p>
+            <a:pPr marL="285750" indent="-285750">
+              <a:buFont typeface="Arial" panose="020B0604020202020204" pitchFamily="34" charset="0"/>
+              <a:buChar char="•"/>
+            </a:pPr>
+            <a:r>
+              <a:rPr lang="fr-FR" dirty="0" err="1" smtClean="0"/>
+              <a:t>Animated</a:t>
+            </a:r>
+            <a:r>
+              <a:rPr lang="fr-FR" dirty="0" smtClean="0"/>
+              <a:t> Buttons </a:t>
+            </a:r>
+          </a:p>
+          <a:p>
+            <a:pPr marL="285750" indent="-285750">
+              <a:buFont typeface="Arial" panose="020B0604020202020204" pitchFamily="34" charset="0"/>
+              <a:buChar char="•"/>
+            </a:pPr>
+            <a:r>
+              <a:rPr lang="fr-FR" dirty="0" err="1" smtClean="0"/>
+              <a:t>Gps</a:t>
+            </a:r>
+            <a:r>
+              <a:rPr lang="fr-FR" dirty="0" smtClean="0"/>
+              <a:t> </a:t>
+            </a:r>
+            <a:r>
+              <a:rPr lang="fr-FR" dirty="0" err="1" smtClean="0"/>
+              <a:t>positionning</a:t>
+            </a:r>
+            <a:endParaRPr lang="fr-FR" dirty="0"/>
+          </a:p>
+        </p:txBody>
+      </p:sp>
+    </p:spTree>
+    <p:extLst>
+      <p:ext uri="{BB962C8B-B14F-4D97-AF65-F5344CB8AC3E}">
+        <p14:creationId xmlns:p14="http://schemas.microsoft.com/office/powerpoint/2010/main" val="2895900543"/>
+      </p:ext>
+    </p:extLst>
+  </p:cSld>
+  <p:clrMapOvr>
+    <a:masterClrMapping/>
+  </p:clrMapOvr>
+</p:sld>
+</file>
+
+<file path=ppt/slides/slide8.xml><?xml version="1.0" encoding="utf-8"?>
+<p:sld xmlns:a="http://schemas.openxmlformats.org/drawingml/2006/main" xmlns:r="http://schemas.openxmlformats.org/officeDocument/2006/relationships" xmlns:p="http://schemas.openxmlformats.org/presentationml/2006/main">
+  <p:cSld>
+    <p:spTree>
+      <p:nvGrpSpPr>
+        <p:cNvPr id="1" name=""/>
+        <p:cNvGrpSpPr/>
+        <p:nvPr/>
+      </p:nvGrpSpPr>
+      <p:grpSpPr>
+        <a:xfrm>
+          <a:off x="0" y="0"/>
+          <a:ext cx="0" cy="0"/>
+          <a:chOff x="0" y="0"/>
+          <a:chExt cx="0" cy="0"/>
+        </a:xfrm>
+      </p:grpSpPr>
+      <p:sp>
+        <p:nvSpPr>
+          <p:cNvPr id="2" name="Titre 1"/>
+          <p:cNvSpPr>
+            <a:spLocks noGrp="1"/>
+          </p:cNvSpPr>
+          <p:nvPr>
+            <p:ph type="title"/>
+          </p:nvPr>
+        </p:nvSpPr>
+        <p:spPr/>
+        <p:txBody>
+          <a:bodyPr/>
+          <a:lstStyle/>
+          <a:p>
+            <a:r>
+              <a:rPr lang="fr-FR" dirty="0" err="1" smtClean="0"/>
+              <a:t>Profgile</a:t>
+            </a:r>
+            <a:r>
+              <a:rPr lang="fr-FR" dirty="0" smtClean="0"/>
+              <a:t> page</a:t>
+            </a:r>
+            <a:endParaRPr lang="fr-FR" dirty="0"/>
+          </a:p>
+        </p:txBody>
+      </p:sp>
+      <p:pic>
+        <p:nvPicPr>
+          <p:cNvPr id="4" name="Espace réservé du contenu 3"/>
+          <p:cNvPicPr>
+            <a:picLocks noGrp="1" noChangeAspect="1"/>
+          </p:cNvPicPr>
+          <p:nvPr>
+            <p:ph idx="1"/>
+          </p:nvPr>
+        </p:nvPicPr>
+        <p:blipFill>
+          <a:blip r:embed="rId2">
+            <a:extLst>
+              <a:ext uri="{28A0092B-C50C-407E-A947-70E740481C1C}">
+                <a14:useLocalDpi xmlns:a14="http://schemas.microsoft.com/office/drawing/2010/main" val="0"/>
+              </a:ext>
+            </a:extLst>
+          </a:blip>
+          <a:stretch>
+            <a:fillRect/>
+          </a:stretch>
+        </p:blipFill>
+        <p:spPr>
+          <a:xfrm>
+            <a:off x="0" y="0"/>
+            <a:ext cx="5141504" cy="6858000"/>
+          </a:xfrm>
+        </p:spPr>
+      </p:pic>
+      <p:sp>
+        <p:nvSpPr>
+          <p:cNvPr id="5" name="ZoneTexte 4"/>
+          <p:cNvSpPr txBox="1"/>
+          <p:nvPr/>
+        </p:nvSpPr>
+        <p:spPr>
+          <a:xfrm>
+            <a:off x="7371126" y="885076"/>
+            <a:ext cx="5123935" cy="646331"/>
+          </a:xfrm>
+          <a:prstGeom prst="rect">
+            <a:avLst/>
+          </a:prstGeom>
+          <a:noFill/>
+        </p:spPr>
+        <p:txBody>
+          <a:bodyPr wrap="square" rtlCol="0">
+            <a:spAutoFit/>
+          </a:bodyPr>
+          <a:lstStyle/>
+          <a:p>
+            <a:r>
+              <a:rPr lang="fr-FR" sz="3600" dirty="0" smtClean="0"/>
+              <a:t>Profile page</a:t>
+            </a:r>
+            <a:r>
+              <a:rPr lang="fr-FR" dirty="0" smtClean="0"/>
+              <a:t> </a:t>
+            </a:r>
+            <a:endParaRPr lang="fr-FR" dirty="0"/>
+          </a:p>
+        </p:txBody>
+      </p:sp>
+      <p:sp>
+        <p:nvSpPr>
+          <p:cNvPr id="6" name="ZoneTexte 5"/>
+          <p:cNvSpPr txBox="1"/>
+          <p:nvPr/>
+        </p:nvSpPr>
+        <p:spPr>
+          <a:xfrm>
+            <a:off x="7010399" y="2860645"/>
+            <a:ext cx="4927833" cy="1200329"/>
+          </a:xfrm>
+          <a:prstGeom prst="rect">
+            <a:avLst/>
+          </a:prstGeom>
+          <a:noFill/>
+        </p:spPr>
+        <p:txBody>
+          <a:bodyPr wrap="square" rtlCol="0">
+            <a:spAutoFit/>
+          </a:bodyPr>
+          <a:lstStyle/>
+          <a:p>
+            <a:pPr marL="285750" indent="-285750">
+              <a:buFont typeface="Arial" panose="020B0604020202020204" pitchFamily="34" charset="0"/>
+              <a:buChar char="•"/>
+            </a:pPr>
+            <a:r>
+              <a:rPr lang="fr-FR" dirty="0" err="1" smtClean="0"/>
+              <a:t>Add</a:t>
+            </a:r>
+            <a:r>
+              <a:rPr lang="fr-FR" dirty="0" smtClean="0"/>
+              <a:t> </a:t>
+            </a:r>
+            <a:r>
+              <a:rPr lang="fr-FR" dirty="0" err="1" smtClean="0"/>
+              <a:t>pictures</a:t>
+            </a:r>
+            <a:r>
+              <a:rPr lang="fr-FR" dirty="0" smtClean="0"/>
+              <a:t> </a:t>
+            </a:r>
+            <a:r>
+              <a:rPr lang="fr-FR" dirty="0" err="1" smtClean="0"/>
+              <a:t>from</a:t>
+            </a:r>
+            <a:r>
+              <a:rPr lang="fr-FR" dirty="0" smtClean="0"/>
+              <a:t> Facebook</a:t>
+            </a:r>
+          </a:p>
+          <a:p>
+            <a:pPr marL="285750" indent="-285750">
+              <a:buFont typeface="Arial" panose="020B0604020202020204" pitchFamily="34" charset="0"/>
+              <a:buChar char="•"/>
+            </a:pPr>
+            <a:r>
+              <a:rPr lang="fr-FR" dirty="0" smtClean="0"/>
+              <a:t>Say </a:t>
+            </a:r>
+            <a:r>
+              <a:rPr lang="fr-FR" dirty="0" err="1" smtClean="0"/>
+              <a:t>something</a:t>
+            </a:r>
+            <a:r>
+              <a:rPr lang="fr-FR" dirty="0" smtClean="0"/>
+              <a:t> about </a:t>
+            </a:r>
+            <a:r>
+              <a:rPr lang="fr-FR" dirty="0" err="1" smtClean="0"/>
+              <a:t>you</a:t>
+            </a:r>
+            <a:endParaRPr lang="fr-FR" dirty="0" smtClean="0"/>
+          </a:p>
+          <a:p>
+            <a:pPr marL="285750" indent="-285750">
+              <a:buFont typeface="Arial" panose="020B0604020202020204" pitchFamily="34" charset="0"/>
+              <a:buChar char="•"/>
+            </a:pPr>
+            <a:r>
+              <a:rPr lang="fr-FR" dirty="0" err="1" smtClean="0"/>
+              <a:t>Shared</a:t>
+            </a:r>
+            <a:r>
+              <a:rPr lang="fr-FR" dirty="0" smtClean="0"/>
+              <a:t> Facebook </a:t>
+            </a:r>
+            <a:r>
+              <a:rPr lang="fr-FR" dirty="0" err="1" smtClean="0"/>
+              <a:t>Likes</a:t>
+            </a:r>
+            <a:r>
+              <a:rPr lang="fr-FR" dirty="0" smtClean="0"/>
+              <a:t> &amp; </a:t>
+            </a:r>
+            <a:r>
+              <a:rPr lang="fr-FR" dirty="0" err="1" smtClean="0"/>
+              <a:t>Friends</a:t>
+            </a:r>
+            <a:endParaRPr lang="fr-FR" dirty="0" smtClean="0"/>
+          </a:p>
+          <a:p>
+            <a:endParaRPr lang="fr-FR" dirty="0"/>
+          </a:p>
+        </p:txBody>
+      </p:sp>
+    </p:spTree>
+    <p:extLst>
+      <p:ext uri="{BB962C8B-B14F-4D97-AF65-F5344CB8AC3E}">
+        <p14:creationId xmlns:p14="http://schemas.microsoft.com/office/powerpoint/2010/main" val="893514573"/>
+      </p:ext>
+    </p:extLst>
+  </p:cSld>
+  <p:clrMapOvr>
+    <a:masterClrMapping/>
+  </p:clrMapOvr>
+</p:sld>
+</file>
+
+<file path=ppt/slides/slide9.xml><?xml version="1.0" encoding="utf-8"?>
+<p:sld xmlns:a="http://schemas.openxmlformats.org/drawingml/2006/main" xmlns:r="http://schemas.openxmlformats.org/officeDocument/2006/relationships" xmlns:p="http://schemas.openxmlformats.org/presentationml/2006/main">
+  <p:cSld>
+    <p:spTree>
+      <p:nvGrpSpPr>
+        <p:cNvPr id="1" name=""/>
+        <p:cNvGrpSpPr/>
+        <p:nvPr/>
+      </p:nvGrpSpPr>
+      <p:grpSpPr>
+        <a:xfrm>
+          <a:off x="0" y="0"/>
+          <a:ext cx="0" cy="0"/>
+          <a:chOff x="0" y="0"/>
+          <a:chExt cx="0" cy="0"/>
+        </a:xfrm>
+      </p:grpSpPr>
+      <p:sp>
+        <p:nvSpPr>
+          <p:cNvPr id="2" name="Titre 1"/>
+          <p:cNvSpPr>
+            <a:spLocks noGrp="1"/>
+          </p:cNvSpPr>
+          <p:nvPr>
+            <p:ph type="title"/>
+          </p:nvPr>
+        </p:nvSpPr>
+        <p:spPr>
+          <a:xfrm>
+            <a:off x="4361576" y="2462373"/>
+            <a:ext cx="10515600" cy="1325563"/>
+          </a:xfrm>
+        </p:spPr>
+        <p:txBody>
+          <a:bodyPr/>
+          <a:lstStyle/>
+          <a:p>
+            <a:r>
+              <a:rPr lang="fr-FR" dirty="0" smtClean="0"/>
+              <a:t>Conclusion</a:t>
+            </a:r>
+            <a:endParaRPr lang="fr-FR" dirty="0"/>
+          </a:p>
+        </p:txBody>
+      </p:sp>
+    </p:spTree>
+    <p:extLst>
+      <p:ext uri="{BB962C8B-B14F-4D97-AF65-F5344CB8AC3E}">
+        <p14:creationId xmlns:p14="http://schemas.microsoft.com/office/powerpoint/2010/main" val="615289358"/>
+      </p:ext>
+    </p:extLst>
+  </p:cSld>
+  <p:clrMapOvr>
+    <a:masterClrMapping/>
+  </p:clrMapOvr>
 </p:sld>
 </file>
 
@@ -4712,7 +5565,7 @@
   <a:extraClrSchemeLst/>
   <a:extLst>
     <a:ext uri="{05A4C25C-085E-4340-85A3-A5531E510DB2}">
-      <thm15:themeFamily xmlns:thm15="http://schemas.microsoft.com/office/thememl/2012/main" xmlns="" name="Office Theme" id="{62F939B6-93AF-4DB8-9C6B-D6C7DFDC589F}" vid="{4A3C46E8-61CC-4603-A589-7422A47A8E4A}"/>
+      <thm15:themeFamily xmlns:thm15="http://schemas.microsoft.com/office/thememl/2012/main" name="Office Theme" id="{62F939B6-93AF-4DB8-9C6B-D6C7DFDC589F}" vid="{4A3C46E8-61CC-4603-A589-7422A47A8E4A}"/>
     </a:ext>
   </a:extLst>
 </a:theme>
